--- a/2026/2026-02-06-AI-Updates.pptx
+++ b/2026/2026-02-06-AI-Updates.pptx
@@ -5,7 +5,7 @@
     <p:sldMasterId id="2147483661" r:id="rId1"/>
   </p:sldMasterIdLst>
   <p:notesMasterIdLst>
-    <p:notesMasterId r:id="rId25"/>
+    <p:notesMasterId r:id="rId27"/>
   </p:notesMasterIdLst>
   <p:sldIdLst>
     <p:sldId id="256" r:id="rId2"/>
@@ -31,23 +31,25 @@
     <p:sldId id="276" r:id="rId22"/>
     <p:sldId id="277" r:id="rId23"/>
     <p:sldId id="278" r:id="rId24"/>
+    <p:sldId id="279" r:id="rId25"/>
+    <p:sldId id="280" r:id="rId26"/>
   </p:sldIdLst>
   <p:sldSz cx="9144000" cy="5143500" type="screen16x9"/>
   <p:notesSz cx="6858000" cy="9144000"/>
   <p:embeddedFontLst>
     <p:embeddedFont>
       <p:font typeface="Roboto" panose="02000000000000000000" pitchFamily="2" charset="0"/>
-      <p:regular r:id="rId26"/>
-      <p:bold r:id="rId27"/>
-      <p:italic r:id="rId28"/>
-      <p:boldItalic r:id="rId29"/>
+      <p:regular r:id="rId28"/>
+      <p:bold r:id="rId29"/>
+      <p:italic r:id="rId30"/>
+      <p:boldItalic r:id="rId31"/>
     </p:embeddedFont>
     <p:embeddedFont>
       <p:font typeface="Roboto Mono" pitchFamily="49" charset="0"/>
-      <p:regular r:id="rId30"/>
-      <p:bold r:id="rId31"/>
-      <p:italic r:id="rId32"/>
-      <p:boldItalic r:id="rId33"/>
+      <p:regular r:id="rId32"/>
+      <p:bold r:id="rId33"/>
+      <p:italic r:id="rId34"/>
+      <p:boldItalic r:id="rId35"/>
     </p:embeddedFont>
   </p:embeddedFontLst>
   <p:defaultTextStyle>
@@ -279,6 +281,11 @@
       </a:defRPr>
     </a:lvl9pPr>
   </p:defaultTextStyle>
+  <p:extLst>
+    <p:ext uri="{EFAFB233-063F-42B5-8137-9DF3F51BA10A}">
+      <p15:sldGuideLst xmlns:p15="http://schemas.microsoft.com/office/powerpoint/2012/main"/>
+    </p:ext>
+  </p:extLst>
 </p:presentation>
 </file>
 
@@ -2086,7 +2093,7 @@
   <p:cSld>
     <p:spTree>
       <p:nvGrpSpPr>
-        <p:cNvPr id="1" name="Shape 287"/>
+        <p:cNvPr id="1" name="Shape 285"/>
         <p:cNvGrpSpPr/>
         <p:nvPr/>
       </p:nvGrpSpPr>
@@ -2100,7 +2107,7 @@
       </p:grpSpPr>
       <p:sp>
         <p:nvSpPr>
-          <p:cNvPr id="288" name="Google Shape;288;g39387039f1c_1_0:notes"/>
+          <p:cNvPr id="286" name="Google Shape;286;g39389d969cf_1_0:notes"/>
           <p:cNvSpPr>
             <a:spLocks noGrp="1" noRot="1" noChangeAspect="1"/>
           </p:cNvSpPr>
@@ -2151,7 +2158,7 @@
       </p:sp>
       <p:sp>
         <p:nvSpPr>
-          <p:cNvPr id="289" name="Google Shape;289;g39387039f1c_1_0:notes"/>
+          <p:cNvPr id="287" name="Google Shape;287;g39389d969cf_1_0:notes"/>
           <p:cNvSpPr txBox="1">
             <a:spLocks noGrp="1"/>
           </p:cNvSpPr>
@@ -2232,7 +2239,7 @@
         </p:nvSpPr>
         <p:spPr>
           <a:xfrm>
-            <a:off x="381300" y="685800"/>
+            <a:off x="381000" y="685800"/>
             <a:ext cx="6096000" cy="3429000"/>
           </a:xfrm>
           <a:custGeom>
@@ -2330,7 +2337,7 @@
   <p:cSld>
     <p:spTree>
       <p:nvGrpSpPr>
-        <p:cNvPr id="1" name="Shape 294"/>
+        <p:cNvPr id="1" name="Shape 293"/>
         <p:cNvGrpSpPr/>
         <p:nvPr/>
       </p:nvGrpSpPr>
@@ -2344,7 +2351,7 @@
       </p:grpSpPr>
       <p:sp>
         <p:nvSpPr>
-          <p:cNvPr id="295" name="Google Shape;295;g393789f6fa5_1_0:notes"/>
+          <p:cNvPr id="294" name="Google Shape;294;g39387039f1c_1_0:notes"/>
           <p:cNvSpPr>
             <a:spLocks noGrp="1" noRot="1" noChangeAspect="1"/>
           </p:cNvSpPr>
@@ -2395,7 +2402,7 @@
       </p:sp>
       <p:sp>
         <p:nvSpPr>
-          <p:cNvPr id="296" name="Google Shape;296;g393789f6fa5_1_0:notes"/>
+          <p:cNvPr id="295" name="Google Shape;295;g39387039f1c_1_0:notes"/>
           <p:cNvSpPr txBox="1">
             <a:spLocks noGrp="1"/>
           </p:cNvSpPr>
@@ -2452,7 +2459,7 @@
   <p:cSld>
     <p:spTree>
       <p:nvGrpSpPr>
-        <p:cNvPr id="1" name="Shape 302"/>
+        <p:cNvPr id="1" name="Shape 301"/>
         <p:cNvGrpSpPr/>
         <p:nvPr/>
       </p:nvGrpSpPr>
@@ -2466,7 +2473,7 @@
       </p:grpSpPr>
       <p:sp>
         <p:nvSpPr>
-          <p:cNvPr id="303" name="Google Shape;303;p23:notes"/>
+          <p:cNvPr id="302" name="Google Shape;302;g39389d969cf_2_0:notes"/>
           <p:cNvSpPr>
             <a:spLocks noGrp="1" noRot="1" noChangeAspect="1"/>
           </p:cNvSpPr>
@@ -2517,7 +2524,7 @@
       </p:sp>
       <p:sp>
         <p:nvSpPr>
-          <p:cNvPr id="304" name="Google Shape;304;p23:notes"/>
+          <p:cNvPr id="303" name="Google Shape;303;g39389d969cf_2_0:notes"/>
           <p:cNvSpPr txBox="1">
             <a:spLocks noGrp="1"/>
           </p:cNvSpPr>
@@ -2574,7 +2581,7 @@
   <p:cSld>
     <p:spTree>
       <p:nvGrpSpPr>
-        <p:cNvPr id="1" name="Shape 312"/>
+        <p:cNvPr id="1" name="Shape 308"/>
         <p:cNvGrpSpPr/>
         <p:nvPr/>
       </p:nvGrpSpPr>
@@ -2588,7 +2595,7 @@
       </p:grpSpPr>
       <p:sp>
         <p:nvSpPr>
-          <p:cNvPr id="313" name="Google Shape;313;p24:notes"/>
+          <p:cNvPr id="309" name="Google Shape;309;g393789f6fa5_1_0:notes"/>
           <p:cNvSpPr>
             <a:spLocks noGrp="1" noRot="1" noChangeAspect="1"/>
           </p:cNvSpPr>
@@ -2639,7 +2646,7 @@
       </p:sp>
       <p:sp>
         <p:nvSpPr>
-          <p:cNvPr id="314" name="Google Shape;314;p24:notes"/>
+          <p:cNvPr id="310" name="Google Shape;310;g393789f6fa5_1_0:notes"/>
           <p:cNvSpPr txBox="1">
             <a:spLocks noGrp="1"/>
           </p:cNvSpPr>
@@ -2696,7 +2703,7 @@
   <p:cSld>
     <p:spTree>
       <p:nvGrpSpPr>
-        <p:cNvPr id="1" name="Shape 322"/>
+        <p:cNvPr id="1" name="Shape 316"/>
         <p:cNvGrpSpPr/>
         <p:nvPr/>
       </p:nvGrpSpPr>
@@ -2710,7 +2717,251 @@
       </p:grpSpPr>
       <p:sp>
         <p:nvSpPr>
-          <p:cNvPr id="323" name="Google Shape;323;p25:notes"/>
+          <p:cNvPr id="317" name="Google Shape;317;p23:notes"/>
+          <p:cNvSpPr>
+            <a:spLocks noGrp="1" noRot="1" noChangeAspect="1"/>
+          </p:cNvSpPr>
+          <p:nvPr>
+            <p:ph type="sldImg" idx="2"/>
+          </p:nvPr>
+        </p:nvSpPr>
+        <p:spPr>
+          <a:xfrm>
+            <a:off x="381000" y="685800"/>
+            <a:ext cx="6096000" cy="3429000"/>
+          </a:xfrm>
+          <a:custGeom>
+            <a:avLst/>
+            <a:gdLst/>
+            <a:ahLst/>
+            <a:cxnLst/>
+            <a:rect l="l" t="t" r="r" b="b"/>
+            <a:pathLst>
+              <a:path w="120000" h="120000" extrusionOk="0">
+                <a:moveTo>
+                  <a:pt x="0" y="0"/>
+                </a:moveTo>
+                <a:lnTo>
+                  <a:pt x="120000" y="0"/>
+                </a:lnTo>
+                <a:lnTo>
+                  <a:pt x="120000" y="120000"/>
+                </a:lnTo>
+                <a:lnTo>
+                  <a:pt x="0" y="120000"/>
+                </a:lnTo>
+                <a:close/>
+              </a:path>
+            </a:pathLst>
+          </a:custGeom>
+          <a:noFill/>
+          <a:ln w="9525" cap="flat" cmpd="sng">
+            <a:solidFill>
+              <a:srgbClr val="000000"/>
+            </a:solidFill>
+            <a:prstDash val="solid"/>
+            <a:round/>
+            <a:headEnd type="none" w="sm" len="sm"/>
+            <a:tailEnd type="none" w="sm" len="sm"/>
+          </a:ln>
+        </p:spPr>
+      </p:sp>
+      <p:sp>
+        <p:nvSpPr>
+          <p:cNvPr id="318" name="Google Shape;318;p23:notes"/>
+          <p:cNvSpPr txBox="1">
+            <a:spLocks noGrp="1"/>
+          </p:cNvSpPr>
+          <p:nvPr>
+            <p:ph type="body" idx="1"/>
+          </p:nvPr>
+        </p:nvSpPr>
+        <p:spPr>
+          <a:xfrm>
+            <a:off x="685800" y="4343400"/>
+            <a:ext cx="5486400" cy="4114800"/>
+          </a:xfrm>
+          <a:prstGeom prst="rect">
+            <a:avLst/>
+          </a:prstGeom>
+          <a:noFill/>
+          <a:ln>
+            <a:noFill/>
+          </a:ln>
+        </p:spPr>
+        <p:txBody>
+          <a:bodyPr spcFirstLastPara="1" wrap="square" lIns="91425" tIns="91425" rIns="91425" bIns="91425" anchor="t" anchorCtr="0">
+            <a:noAutofit/>
+          </a:bodyPr>
+          <a:lstStyle/>
+          <a:p>
+            <a:pPr marL="0" lvl="0" indent="0" algn="l" rtl="0">
+              <a:lnSpc>
+                <a:spcPct val="100000"/>
+              </a:lnSpc>
+              <a:spcBef>
+                <a:spcPts val="0"/>
+              </a:spcBef>
+              <a:spcAft>
+                <a:spcPts val="0"/>
+              </a:spcAft>
+              <a:buSzPts val="1100"/>
+              <a:buNone/>
+            </a:pPr>
+            <a:endParaRPr/>
+          </a:p>
+        </p:txBody>
+      </p:sp>
+    </p:spTree>
+  </p:cSld>
+  <p:clrMapOvr>
+    <a:masterClrMapping/>
+  </p:clrMapOvr>
+</p:notes>
+</file>
+
+<file path=ppt/notesSlides/notesSlide24.xml><?xml version="1.0" encoding="utf-8"?>
+<p:notes xmlns:a="http://schemas.openxmlformats.org/drawingml/2006/main" xmlns:r="http://schemas.openxmlformats.org/officeDocument/2006/relationships" xmlns:p="http://schemas.openxmlformats.org/presentationml/2006/main" showMasterSp="0" showMasterPhAnim="0">
+  <p:cSld>
+    <p:spTree>
+      <p:nvGrpSpPr>
+        <p:cNvPr id="1" name="Shape 326"/>
+        <p:cNvGrpSpPr/>
+        <p:nvPr/>
+      </p:nvGrpSpPr>
+      <p:grpSpPr>
+        <a:xfrm>
+          <a:off x="0" y="0"/>
+          <a:ext cx="0" cy="0"/>
+          <a:chOff x="0" y="0"/>
+          <a:chExt cx="0" cy="0"/>
+        </a:xfrm>
+      </p:grpSpPr>
+      <p:sp>
+        <p:nvSpPr>
+          <p:cNvPr id="327" name="Google Shape;327;p24:notes"/>
+          <p:cNvSpPr>
+            <a:spLocks noGrp="1" noRot="1" noChangeAspect="1"/>
+          </p:cNvSpPr>
+          <p:nvPr>
+            <p:ph type="sldImg" idx="2"/>
+          </p:nvPr>
+        </p:nvSpPr>
+        <p:spPr>
+          <a:xfrm>
+            <a:off x="381000" y="685800"/>
+            <a:ext cx="6096000" cy="3429000"/>
+          </a:xfrm>
+          <a:custGeom>
+            <a:avLst/>
+            <a:gdLst/>
+            <a:ahLst/>
+            <a:cxnLst/>
+            <a:rect l="l" t="t" r="r" b="b"/>
+            <a:pathLst>
+              <a:path w="120000" h="120000" extrusionOk="0">
+                <a:moveTo>
+                  <a:pt x="0" y="0"/>
+                </a:moveTo>
+                <a:lnTo>
+                  <a:pt x="120000" y="0"/>
+                </a:lnTo>
+                <a:lnTo>
+                  <a:pt x="120000" y="120000"/>
+                </a:lnTo>
+                <a:lnTo>
+                  <a:pt x="0" y="120000"/>
+                </a:lnTo>
+                <a:close/>
+              </a:path>
+            </a:pathLst>
+          </a:custGeom>
+          <a:noFill/>
+          <a:ln w="9525" cap="flat" cmpd="sng">
+            <a:solidFill>
+              <a:srgbClr val="000000"/>
+            </a:solidFill>
+            <a:prstDash val="solid"/>
+            <a:round/>
+            <a:headEnd type="none" w="sm" len="sm"/>
+            <a:tailEnd type="none" w="sm" len="sm"/>
+          </a:ln>
+        </p:spPr>
+      </p:sp>
+      <p:sp>
+        <p:nvSpPr>
+          <p:cNvPr id="328" name="Google Shape;328;p24:notes"/>
+          <p:cNvSpPr txBox="1">
+            <a:spLocks noGrp="1"/>
+          </p:cNvSpPr>
+          <p:nvPr>
+            <p:ph type="body" idx="1"/>
+          </p:nvPr>
+        </p:nvSpPr>
+        <p:spPr>
+          <a:xfrm>
+            <a:off x="685800" y="4343400"/>
+            <a:ext cx="5486400" cy="4114800"/>
+          </a:xfrm>
+          <a:prstGeom prst="rect">
+            <a:avLst/>
+          </a:prstGeom>
+          <a:noFill/>
+          <a:ln>
+            <a:noFill/>
+          </a:ln>
+        </p:spPr>
+        <p:txBody>
+          <a:bodyPr spcFirstLastPara="1" wrap="square" lIns="91425" tIns="91425" rIns="91425" bIns="91425" anchor="t" anchorCtr="0">
+            <a:noAutofit/>
+          </a:bodyPr>
+          <a:lstStyle/>
+          <a:p>
+            <a:pPr marL="0" lvl="0" indent="0" algn="l" rtl="0">
+              <a:lnSpc>
+                <a:spcPct val="100000"/>
+              </a:lnSpc>
+              <a:spcBef>
+                <a:spcPts val="0"/>
+              </a:spcBef>
+              <a:spcAft>
+                <a:spcPts val="0"/>
+              </a:spcAft>
+              <a:buSzPts val="1100"/>
+              <a:buNone/>
+            </a:pPr>
+            <a:endParaRPr/>
+          </a:p>
+        </p:txBody>
+      </p:sp>
+    </p:spTree>
+  </p:cSld>
+  <p:clrMapOvr>
+    <a:masterClrMapping/>
+  </p:clrMapOvr>
+</p:notes>
+</file>
+
+<file path=ppt/notesSlides/notesSlide25.xml><?xml version="1.0" encoding="utf-8"?>
+<p:notes xmlns:a="http://schemas.openxmlformats.org/drawingml/2006/main" xmlns:r="http://schemas.openxmlformats.org/officeDocument/2006/relationships" xmlns:p="http://schemas.openxmlformats.org/presentationml/2006/main" showMasterSp="0" showMasterPhAnim="0">
+  <p:cSld>
+    <p:spTree>
+      <p:nvGrpSpPr>
+        <p:cNvPr id="1" name="Shape 336"/>
+        <p:cNvGrpSpPr/>
+        <p:nvPr/>
+      </p:nvGrpSpPr>
+      <p:grpSpPr>
+        <a:xfrm>
+          <a:off x="0" y="0"/>
+          <a:ext cx="0" cy="0"/>
+          <a:chOff x="0" y="0"/>
+          <a:chExt cx="0" cy="0"/>
+        </a:xfrm>
+      </p:grpSpPr>
+      <p:sp>
+        <p:nvSpPr>
+          <p:cNvPr id="337" name="Google Shape;337;p25:notes"/>
           <p:cNvSpPr>
             <a:spLocks noGrp="1" noRot="1" noChangeAspect="1"/>
           </p:cNvSpPr>
@@ -2761,7 +3012,7 @@
       </p:sp>
       <p:sp>
         <p:nvSpPr>
-          <p:cNvPr id="324" name="Google Shape;324;p25:notes"/>
+          <p:cNvPr id="338" name="Google Shape;338;p25:notes"/>
           <p:cNvSpPr txBox="1">
             <a:spLocks noGrp="1"/>
           </p:cNvSpPr>
@@ -13424,7 +13675,7 @@
         </p:nvSpPr>
         <p:spPr>
           <a:xfrm>
-            <a:off x="4574323" y="3979668"/>
+            <a:off x="4574323" y="4244443"/>
             <a:ext cx="4502400" cy="449400"/>
           </a:xfrm>
           <a:prstGeom prst="rect">
@@ -14105,7 +14356,7 @@
         <p:spPr>
           <a:xfrm>
             <a:off x="4574323" y="839930"/>
-            <a:ext cx="4502400" cy="1527000"/>
+            <a:ext cx="4502400" cy="1742400"/>
           </a:xfrm>
           <a:prstGeom prst="rect">
             <a:avLst/>
@@ -14276,7 +14527,7 @@
                 <a:cs typeface="Calibri"/>
                 <a:sym typeface="Calibri"/>
               </a:rPr>
-              <a:t>Claude in Excel</a:t>
+              <a:t>Use Claude to work with Excel</a:t>
             </a:r>
             <a:endParaRPr b="1">
               <a:solidFill>
@@ -14396,7 +14647,47 @@
                 <a:cs typeface="Calibri"/>
                 <a:sym typeface="Calibri"/>
               </a:rPr>
-              <a:t>xxx</a:t>
+              <a:t>DeepSeek OCR2 open source</a:t>
+            </a:r>
+            <a:endParaRPr b="1">
+              <a:solidFill>
+                <a:srgbClr val="3C78D8"/>
+              </a:solidFill>
+              <a:latin typeface="Calibri"/>
+              <a:ea typeface="Calibri"/>
+              <a:cs typeface="Calibri"/>
+              <a:sym typeface="Calibri"/>
+            </a:endParaRPr>
+          </a:p>
+          <a:p>
+            <a:pPr marL="228600" marR="0" lvl="0" indent="-203200" algn="l" rtl="0">
+              <a:lnSpc>
+                <a:spcPct val="100000"/>
+              </a:lnSpc>
+              <a:spcBef>
+                <a:spcPts val="0"/>
+              </a:spcBef>
+              <a:spcAft>
+                <a:spcPts val="0"/>
+              </a:spcAft>
+              <a:buClr>
+                <a:srgbClr val="3C78D8"/>
+              </a:buClr>
+              <a:buSzPts val="1400"/>
+              <a:buFont typeface="Calibri"/>
+              <a:buChar char="●"/>
+            </a:pPr>
+            <a:r>
+              <a:rPr lang="en" b="1">
+                <a:solidFill>
+                  <a:srgbClr val="3C78D8"/>
+                </a:solidFill>
+                <a:latin typeface="Calibri"/>
+                <a:ea typeface="Calibri"/>
+                <a:cs typeface="Calibri"/>
+                <a:sym typeface="Calibri"/>
+              </a:rPr>
+              <a:t>Google DeepMind Genie 3</a:t>
             </a:r>
             <a:endParaRPr b="1">
               <a:solidFill>
@@ -20999,7 +21290,7 @@
         </p:blipFill>
         <p:spPr>
           <a:xfrm>
-            <a:off x="6476162" y="100187"/>
+            <a:off x="6489734" y="86616"/>
             <a:ext cx="2570525" cy="4093801"/>
           </a:xfrm>
           <a:prstGeom prst="rect">
@@ -21147,181 +21438,14 @@
           </a:p>
         </p:txBody>
       </p:sp>
-      <p:sp>
-        <p:nvSpPr>
-          <p:cNvPr id="283" name="Google Shape;283;p32"/>
-          <p:cNvSpPr txBox="1"/>
-          <p:nvPr/>
-        </p:nvSpPr>
-        <p:spPr>
-          <a:xfrm>
-            <a:off x="55075" y="3537750"/>
-            <a:ext cx="5059800" cy="1126800"/>
-          </a:xfrm>
-          <a:prstGeom prst="rect">
-            <a:avLst/>
-          </a:prstGeom>
-          <a:solidFill>
-            <a:srgbClr val="FFF2CC"/>
-          </a:solidFill>
-          <a:ln w="9525" cap="flat" cmpd="sng">
-            <a:solidFill>
-              <a:srgbClr val="FF0000"/>
-            </a:solidFill>
-            <a:prstDash val="solid"/>
-            <a:round/>
-            <a:headEnd type="none" w="sm" len="sm"/>
-            <a:tailEnd type="none" w="sm" len="sm"/>
-          </a:ln>
-        </p:spPr>
-        <p:txBody>
-          <a:bodyPr spcFirstLastPara="1" wrap="square" lIns="9125" tIns="9125" rIns="9125" bIns="9125" anchor="t" anchorCtr="0">
-            <a:spAutoFit/>
-          </a:bodyPr>
-          <a:lstStyle/>
-          <a:p>
-            <a:pPr marL="171450" marR="0" lvl="0" indent="-133350" algn="l" rtl="0">
-              <a:lnSpc>
-                <a:spcPct val="100000"/>
-              </a:lnSpc>
-              <a:spcBef>
-                <a:spcPts val="0"/>
-              </a:spcBef>
-              <a:spcAft>
-                <a:spcPts val="0"/>
-              </a:spcAft>
-              <a:buClr>
-                <a:srgbClr val="FF0000"/>
-              </a:buClr>
-              <a:buSzPts val="1200"/>
-              <a:buFont typeface="Calibri"/>
-              <a:buChar char="●"/>
-            </a:pPr>
-            <a:r>
-              <a:rPr lang="en" sz="1200" b="1">
-                <a:solidFill>
-                  <a:srgbClr val="FF0000"/>
-                </a:solidFill>
-                <a:latin typeface="Calibri"/>
-                <a:ea typeface="Calibri"/>
-                <a:cs typeface="Calibri"/>
-                <a:sym typeface="Calibri"/>
-              </a:rPr>
-              <a:t>Claude in Excel</a:t>
-            </a:r>
-            <a:endParaRPr sz="1200" b="1">
-              <a:solidFill>
-                <a:srgbClr val="FF0000"/>
-              </a:solidFill>
-              <a:latin typeface="Calibri"/>
-              <a:ea typeface="Calibri"/>
-              <a:cs typeface="Calibri"/>
-              <a:sym typeface="Calibri"/>
-            </a:endParaRPr>
-          </a:p>
-          <a:p>
-            <a:pPr marL="171450" marR="0" lvl="0" indent="-133350" algn="l" rtl="0">
-              <a:lnSpc>
-                <a:spcPct val="100000"/>
-              </a:lnSpc>
-              <a:spcBef>
-                <a:spcPts val="0"/>
-              </a:spcBef>
-              <a:spcAft>
-                <a:spcPts val="0"/>
-              </a:spcAft>
-              <a:buClr>
-                <a:schemeClr val="dk1"/>
-              </a:buClr>
-              <a:buSzPts val="1200"/>
-              <a:buFont typeface="Calibri"/>
-              <a:buChar char="●"/>
-            </a:pPr>
-            <a:r>
-              <a:rPr lang="en" sz="1200">
-                <a:solidFill>
-                  <a:schemeClr val="dk1"/>
-                </a:solidFill>
-                <a:latin typeface="Calibri"/>
-                <a:ea typeface="Calibri"/>
-                <a:cs typeface="Calibri"/>
-                <a:sym typeface="Calibri"/>
-              </a:rPr>
-              <a:t>Claude understands your entire workbook—from nested formulas to multiple tab dependencies. Get explanations with cell-level citations, and update assumptions while preserving formulas. Now in beta as a research preview for all Claude Pro, Max, Team and Enterprise plan customers.</a:t>
-            </a:r>
-            <a:endParaRPr sz="1200">
-              <a:solidFill>
-                <a:schemeClr val="dk1"/>
-              </a:solidFill>
-              <a:latin typeface="Calibri"/>
-              <a:ea typeface="Calibri"/>
-              <a:cs typeface="Calibri"/>
-              <a:sym typeface="Calibri"/>
-            </a:endParaRPr>
-          </a:p>
-          <a:p>
-            <a:pPr marL="171450" marR="0" lvl="0" indent="-133350" algn="l" rtl="0">
-              <a:lnSpc>
-                <a:spcPct val="100000"/>
-              </a:lnSpc>
-              <a:spcBef>
-                <a:spcPts val="0"/>
-              </a:spcBef>
-              <a:spcAft>
-                <a:spcPts val="0"/>
-              </a:spcAft>
-              <a:buClr>
-                <a:schemeClr val="dk1"/>
-              </a:buClr>
-              <a:buSzPts val="1200"/>
-              <a:buFont typeface="Calibri"/>
-              <a:buChar char="●"/>
-            </a:pPr>
-            <a:r>
-              <a:rPr lang="en" sz="1200" u="sng">
-                <a:solidFill>
-                  <a:schemeClr val="hlink"/>
-                </a:solidFill>
-                <a:latin typeface="Calibri"/>
-                <a:ea typeface="Calibri"/>
-                <a:cs typeface="Calibri"/>
-                <a:sym typeface="Calibri"/>
-                <a:hlinkClick r:id="rId3"/>
-              </a:rPr>
-              <a:t>https://claude.com/claude-in-excel</a:t>
-            </a:r>
-            <a:r>
-              <a:rPr lang="en" sz="1200">
-                <a:solidFill>
-                  <a:schemeClr val="dk1"/>
-                </a:solidFill>
-                <a:latin typeface="Calibri"/>
-                <a:ea typeface="Calibri"/>
-                <a:cs typeface="Calibri"/>
-                <a:sym typeface="Calibri"/>
-              </a:rPr>
-              <a:t> </a:t>
-            </a:r>
-            <a:endParaRPr sz="1200">
-              <a:solidFill>
-                <a:schemeClr val="dk1"/>
-              </a:solidFill>
-              <a:latin typeface="Calibri"/>
-              <a:ea typeface="Calibri"/>
-              <a:cs typeface="Calibri"/>
-              <a:sym typeface="Calibri"/>
-            </a:endParaRPr>
-          </a:p>
-        </p:txBody>
-      </p:sp>
       <p:pic>
         <p:nvPicPr>
-          <p:cNvPr id="284" name="Google Shape;284;p32"/>
+          <p:cNvPr id="283" name="Google Shape;283;p32"/>
           <p:cNvPicPr preferRelativeResize="0"/>
           <p:nvPr/>
         </p:nvPicPr>
         <p:blipFill>
-          <a:blip r:embed="rId4" cstate="email">
+          <a:blip r:embed="rId3" cstate="email">
             <a:alphaModFix/>
             <a:extLst>
               <a:ext uri="{28A0092B-C50C-407E-A947-70E740481C1C}">
@@ -21355,7 +21479,7 @@
       </p:pic>
       <p:sp>
         <p:nvSpPr>
-          <p:cNvPr id="285" name="Google Shape;285;p32"/>
+          <p:cNvPr id="284" name="Google Shape;284;p32"/>
           <p:cNvSpPr txBox="1"/>
           <p:nvPr/>
         </p:nvSpPr>
@@ -21464,32 +21588,32 @@
                 <a:ea typeface="Calibri"/>
                 <a:cs typeface="Calibri"/>
                 <a:sym typeface="Calibri"/>
+                <a:hlinkClick r:id="rId4"/>
+              </a:rPr>
+              <a:t>https://v0.app</a:t>
+            </a:r>
+            <a:r>
+              <a:rPr lang="en" sz="1200">
+                <a:solidFill>
+                  <a:schemeClr val="dk1"/>
+                </a:solidFill>
+                <a:latin typeface="Calibri"/>
+                <a:ea typeface="Calibri"/>
+                <a:cs typeface="Calibri"/>
+                <a:sym typeface="Calibri"/>
+              </a:rPr>
+              <a:t>  ) and Shadcn UI ( </a:t>
+            </a:r>
+            <a:r>
+              <a:rPr lang="en" sz="1200" u="sng">
+                <a:solidFill>
+                  <a:schemeClr val="hlink"/>
+                </a:solidFill>
+                <a:latin typeface="Calibri"/>
+                <a:ea typeface="Calibri"/>
+                <a:cs typeface="Calibri"/>
+                <a:sym typeface="Calibri"/>
                 <a:hlinkClick r:id="rId5"/>
-              </a:rPr>
-              <a:t>https://v0.app</a:t>
-            </a:r>
-            <a:r>
-              <a:rPr lang="en" sz="1200">
-                <a:solidFill>
-                  <a:schemeClr val="dk1"/>
-                </a:solidFill>
-                <a:latin typeface="Calibri"/>
-                <a:ea typeface="Calibri"/>
-                <a:cs typeface="Calibri"/>
-                <a:sym typeface="Calibri"/>
-              </a:rPr>
-              <a:t>  ) and Shadcn UI ( </a:t>
-            </a:r>
-            <a:r>
-              <a:rPr lang="en" sz="1200" u="sng">
-                <a:solidFill>
-                  <a:schemeClr val="hlink"/>
-                </a:solidFill>
-                <a:latin typeface="Calibri"/>
-                <a:ea typeface="Calibri"/>
-                <a:cs typeface="Calibri"/>
-                <a:sym typeface="Calibri"/>
-                <a:hlinkClick r:id="rId6"/>
               </a:rPr>
               <a:t>https://ui.shadcn.com</a:t>
             </a:r>
@@ -21577,7 +21701,7 @@
                 <a:ea typeface="Calibri"/>
                 <a:cs typeface="Calibri"/>
                 <a:sym typeface="Calibri"/>
-                <a:hlinkClick r:id="rId7"/>
+                <a:hlinkClick r:id="rId6"/>
               </a:rPr>
               <a:t>https://clerk.com</a:t>
             </a:r>
@@ -21642,7 +21766,7 @@
                 <a:ea typeface="Calibri"/>
                 <a:cs typeface="Calibri"/>
                 <a:sym typeface="Calibri"/>
-                <a:hlinkClick r:id="rId8"/>
+                <a:hlinkClick r:id="rId7"/>
               </a:rPr>
               <a:t>https://www.convex.dev</a:t>
             </a:r>
@@ -21707,7 +21831,7 @@
                 <a:ea typeface="Calibri"/>
                 <a:cs typeface="Calibri"/>
                 <a:sym typeface="Calibri"/>
-                <a:hlinkClick r:id="rId9"/>
+                <a:hlinkClick r:id="rId8"/>
               </a:rPr>
               <a:t>https://code.claude.com/docs/en/quickstart</a:t>
             </a:r>
@@ -21800,7 +21924,7 @@
                 <a:ea typeface="Calibri"/>
                 <a:cs typeface="Calibri"/>
                 <a:sym typeface="Calibri"/>
-                <a:hlinkClick r:id="rId10"/>
+                <a:hlinkClick r:id="rId9"/>
               </a:rPr>
               <a:t>https://www.youtube.com/watch?v=TUoFOIWO91k</a:t>
             </a:r>
@@ -21828,45 +21952,6 @@
           </a:p>
         </p:txBody>
       </p:sp>
-      <p:pic>
-        <p:nvPicPr>
-          <p:cNvPr id="286" name="Google Shape;286;p32"/>
-          <p:cNvPicPr preferRelativeResize="0"/>
-          <p:nvPr/>
-        </p:nvPicPr>
-        <p:blipFill>
-          <a:blip r:embed="rId11" cstate="email">
-            <a:alphaModFix/>
-            <a:extLst>
-              <a:ext uri="{28A0092B-C50C-407E-A947-70E740481C1C}">
-                <a14:useLocalDpi xmlns:a14="http://schemas.microsoft.com/office/drawing/2010/main"/>
-              </a:ext>
-            </a:extLst>
-          </a:blip>
-          <a:stretch>
-            <a:fillRect/>
-          </a:stretch>
-        </p:blipFill>
-        <p:spPr>
-          <a:xfrm>
-            <a:off x="5175550" y="2918750"/>
-            <a:ext cx="3779399" cy="2111856"/>
-          </a:xfrm>
-          <a:prstGeom prst="rect">
-            <a:avLst/>
-          </a:prstGeom>
-          <a:noFill/>
-          <a:ln w="9525" cap="flat" cmpd="sng">
-            <a:solidFill>
-              <a:srgbClr val="FF0000"/>
-            </a:solidFill>
-            <a:prstDash val="solid"/>
-            <a:round/>
-            <a:headEnd type="none" w="sm" len="sm"/>
-            <a:tailEnd type="none" w="sm" len="sm"/>
-          </a:ln>
-        </p:spPr>
-      </p:pic>
     </p:spTree>
   </p:cSld>
   <p:clrMapOvr>
@@ -21880,7 +21965,7 @@
   <p:cSld>
     <p:spTree>
       <p:nvGrpSpPr>
-        <p:cNvPr id="1" name="Shape 290"/>
+        <p:cNvPr id="1" name="Shape 288"/>
         <p:cNvGrpSpPr/>
         <p:nvPr/>
       </p:nvGrpSpPr>
@@ -21894,14 +21979,14 @@
       </p:grpSpPr>
       <p:sp>
         <p:nvSpPr>
-          <p:cNvPr id="291" name="Google Shape;291;p33"/>
+          <p:cNvPr id="289" name="Google Shape;289;p33"/>
           <p:cNvSpPr txBox="1"/>
           <p:nvPr/>
         </p:nvSpPr>
         <p:spPr>
           <a:xfrm>
             <a:off x="55075" y="43025"/>
-            <a:ext cx="1404900" cy="326400"/>
+            <a:ext cx="4465200" cy="326400"/>
           </a:xfrm>
           <a:prstGeom prst="rect">
             <a:avLst/>
@@ -21944,7 +22029,7 @@
                 <a:cs typeface="Calibri"/>
                 <a:sym typeface="Calibri"/>
               </a:rPr>
-              <a:t>AI Updates</a:t>
+              <a:t>Use Claude to work with Excel</a:t>
             </a:r>
             <a:endParaRPr sz="2000" b="1">
               <a:solidFill>
@@ -21960,14 +22045,14 @@
       </p:sp>
       <p:sp>
         <p:nvSpPr>
-          <p:cNvPr id="292" name="Google Shape;292;p33"/>
+          <p:cNvPr id="290" name="Google Shape;290;p33"/>
           <p:cNvSpPr txBox="1"/>
           <p:nvPr/>
         </p:nvSpPr>
         <p:spPr>
           <a:xfrm>
-            <a:off x="55075" y="464333"/>
-            <a:ext cx="4392000" cy="2419500"/>
+            <a:off x="122063" y="1135650"/>
+            <a:ext cx="5059800" cy="1311300"/>
           </a:xfrm>
           <a:prstGeom prst="rect">
             <a:avLst/>
@@ -22018,7 +22103,7 @@
                 <a:cs typeface="Calibri"/>
                 <a:sym typeface="Calibri"/>
               </a:rPr>
-              <a:t>Force Agents to use Skills</a:t>
+              <a:t>Claude in Excel - add-on ot Excel</a:t>
             </a:r>
             <a:endParaRPr sz="1200" b="1">
               <a:solidFill>
@@ -22058,7 +22143,7 @@
                 <a:cs typeface="Calibri"/>
                 <a:sym typeface="Calibri"/>
               </a:rPr>
-              <a:t>Problem - AI agents like Claude Code and Cursor ignoring custom "skills" or rules</a:t>
+              <a:t>Pro, Max, Team, and Enterprise plan</a:t>
             </a:r>
             <a:endParaRPr sz="1200">
               <a:solidFill>
@@ -22098,7 +22183,7 @@
                 <a:cs typeface="Calibri"/>
                 <a:sym typeface="Calibri"/>
               </a:rPr>
-              <a:t>Solution 1 - Use an agents.md file - agents read it automatically</a:t>
+              <a:t>Claude understands your entire workbook—from nested formulas to multiple tab dependencies. Get explanations with cell-level citations, and update assumptions while preserving formulas. Now in beta as a research preview for all Claude Pro, Max, Team and Enterprise plan customers.</a:t>
             </a:r>
             <a:endParaRPr sz="1200">
               <a:solidFill>
@@ -22129,6 +22214,19 @@
               <a:buChar char="●"/>
             </a:pPr>
             <a:r>
+              <a:rPr lang="en" sz="1200" u="sng">
+                <a:solidFill>
+                  <a:schemeClr val="hlink"/>
+                </a:solidFill>
+                <a:latin typeface="Calibri"/>
+                <a:ea typeface="Calibri"/>
+                <a:cs typeface="Calibri"/>
+                <a:sym typeface="Calibri"/>
+                <a:hlinkClick r:id="rId3"/>
+              </a:rPr>
+              <a:t>https://claude.com/claude-in-excel</a:t>
+            </a:r>
+            <a:r>
               <a:rPr lang="en" sz="1200">
                 <a:solidFill>
                   <a:schemeClr val="dk1"/>
@@ -22138,7 +22236,7 @@
                 <a:cs typeface="Calibri"/>
                 <a:sym typeface="Calibri"/>
               </a:rPr>
-              <a:t>Solution 2 - add instructions in your persistent context file telling the agent exactly when and how to trigger specific skills</a:t>
+              <a:t> </a:t>
             </a:r>
             <a:endParaRPr sz="1200">
               <a:solidFill>
@@ -22150,179 +22248,57 @@
               <a:sym typeface="Calibri"/>
             </a:endParaRPr>
           </a:p>
-          <a:p>
-            <a:pPr marL="171450" marR="0" lvl="0" indent="-133350" algn="l" rtl="0">
-              <a:lnSpc>
-                <a:spcPct val="100000"/>
-              </a:lnSpc>
-              <a:spcBef>
-                <a:spcPts val="0"/>
-              </a:spcBef>
-              <a:spcAft>
-                <a:spcPts val="0"/>
-              </a:spcAft>
-              <a:buClr>
-                <a:schemeClr val="dk1"/>
-              </a:buClr>
-              <a:buSzPts val="1200"/>
-              <a:buFont typeface="Calibri"/>
-              <a:buChar char="●"/>
-            </a:pPr>
-            <a:r>
-              <a:rPr lang="en" sz="1200">
-                <a:solidFill>
-                  <a:schemeClr val="dk1"/>
-                </a:solidFill>
-                <a:latin typeface="Calibri"/>
-                <a:ea typeface="Calibri"/>
-                <a:cs typeface="Calibri"/>
-                <a:sym typeface="Calibri"/>
-              </a:rPr>
-              <a:t>Solution 3 - use "Compressed Reference" in your agents.md file. This acts as a map for the LLM to find detailed docs stored within your project</a:t>
-            </a:r>
-            <a:endParaRPr sz="1200">
-              <a:solidFill>
-                <a:schemeClr val="dk1"/>
-              </a:solidFill>
-              <a:latin typeface="Calibri"/>
-              <a:ea typeface="Calibri"/>
-              <a:cs typeface="Calibri"/>
-              <a:sym typeface="Calibri"/>
-            </a:endParaRPr>
-          </a:p>
-          <a:p>
-            <a:pPr marL="171450" marR="0" lvl="0" indent="-133350" algn="l" rtl="0">
-              <a:lnSpc>
-                <a:spcPct val="100000"/>
-              </a:lnSpc>
-              <a:spcBef>
-                <a:spcPts val="0"/>
-              </a:spcBef>
-              <a:spcAft>
-                <a:spcPts val="0"/>
-              </a:spcAft>
-              <a:buClr>
-                <a:schemeClr val="dk1"/>
-              </a:buClr>
-              <a:buSzPts val="1200"/>
-              <a:buFont typeface="Calibri"/>
-              <a:buChar char="●"/>
-            </a:pPr>
-            <a:r>
-              <a:rPr lang="en" sz="1200">
-                <a:solidFill>
-                  <a:schemeClr val="dk1"/>
-                </a:solidFill>
-                <a:latin typeface="Calibri"/>
-                <a:ea typeface="Calibri"/>
-                <a:cs typeface="Calibri"/>
-                <a:sym typeface="Calibri"/>
-              </a:rPr>
-              <a:t>Solution 4 - use levels to avoid context bloat. Embed primary rules directly via the index, then use pointers for secondary skills</a:t>
-            </a:r>
-            <a:endParaRPr sz="1200">
-              <a:solidFill>
-                <a:schemeClr val="dk1"/>
-              </a:solidFill>
-              <a:latin typeface="Calibri"/>
-              <a:ea typeface="Calibri"/>
-              <a:cs typeface="Calibri"/>
-              <a:sym typeface="Calibri"/>
-            </a:endParaRPr>
-          </a:p>
-          <a:p>
-            <a:pPr marL="171450" marR="0" lvl="0" indent="-133350" algn="l" rtl="0">
-              <a:lnSpc>
-                <a:spcPct val="100000"/>
-              </a:lnSpc>
-              <a:spcBef>
-                <a:spcPts val="0"/>
-              </a:spcBef>
-              <a:spcAft>
-                <a:spcPts val="0"/>
-              </a:spcAft>
-              <a:buClr>
-                <a:schemeClr val="dk1"/>
-              </a:buClr>
-              <a:buSzPts val="1200"/>
-              <a:buFont typeface="Calibri"/>
-              <a:buChar char="●"/>
-            </a:pPr>
-            <a:r>
-              <a:rPr lang="en" sz="1200">
-                <a:solidFill>
-                  <a:schemeClr val="dk1"/>
-                </a:solidFill>
-                <a:latin typeface="Calibri"/>
-                <a:ea typeface="Calibri"/>
-                <a:cs typeface="Calibri"/>
-                <a:sym typeface="Calibri"/>
-              </a:rPr>
-              <a:t>Solution 5 - use proactive prompting to force-trigger skills</a:t>
-            </a:r>
-            <a:endParaRPr sz="1200">
-              <a:solidFill>
-                <a:schemeClr val="dk1"/>
-              </a:solidFill>
-              <a:latin typeface="Calibri"/>
-              <a:ea typeface="Calibri"/>
-              <a:cs typeface="Calibri"/>
-              <a:sym typeface="Calibri"/>
-            </a:endParaRPr>
-          </a:p>
-          <a:p>
-            <a:pPr marL="171450" marR="0" lvl="0" indent="-133350" algn="l" rtl="0">
-              <a:lnSpc>
-                <a:spcPct val="100000"/>
-              </a:lnSpc>
-              <a:spcBef>
-                <a:spcPts val="0"/>
-              </a:spcBef>
-              <a:spcAft>
-                <a:spcPts val="0"/>
-              </a:spcAft>
-              <a:buClr>
-                <a:schemeClr val="dk1"/>
-              </a:buClr>
-              <a:buSzPts val="1200"/>
-              <a:buFont typeface="Calibri"/>
-              <a:buChar char="●"/>
-            </a:pPr>
-            <a:r>
-              <a:rPr lang="en" sz="1200" u="sng">
-                <a:solidFill>
-                  <a:schemeClr val="hlink"/>
-                </a:solidFill>
-                <a:latin typeface="Calibri"/>
-                <a:ea typeface="Calibri"/>
-                <a:cs typeface="Calibri"/>
-                <a:sym typeface="Calibri"/>
-                <a:hlinkClick r:id="rId3"/>
-              </a:rPr>
-              <a:t>https://www.youtube.com/watch?v=Hy_XOB83MQc</a:t>
-            </a:r>
-            <a:endParaRPr sz="1200">
-              <a:solidFill>
-                <a:schemeClr val="dk1"/>
-              </a:solidFill>
-              <a:latin typeface="Calibri"/>
-              <a:ea typeface="Calibri"/>
-              <a:cs typeface="Calibri"/>
-              <a:sym typeface="Calibri"/>
-            </a:endParaRPr>
-          </a:p>
         </p:txBody>
       </p:sp>
+      <p:pic>
+        <p:nvPicPr>
+          <p:cNvPr id="291" name="Google Shape;291;p33"/>
+          <p:cNvPicPr preferRelativeResize="0"/>
+          <p:nvPr/>
+        </p:nvPicPr>
+        <p:blipFill>
+          <a:blip r:embed="rId4" cstate="email">
+            <a:alphaModFix/>
+            <a:extLst>
+              <a:ext uri="{28A0092B-C50C-407E-A947-70E740481C1C}">
+                <a14:useLocalDpi xmlns:a14="http://schemas.microsoft.com/office/drawing/2010/main"/>
+              </a:ext>
+            </a:extLst>
+          </a:blip>
+          <a:stretch>
+            <a:fillRect/>
+          </a:stretch>
+        </p:blipFill>
+        <p:spPr>
+          <a:xfrm>
+            <a:off x="5242538" y="665950"/>
+            <a:ext cx="3779399" cy="2111856"/>
+          </a:xfrm>
+          <a:prstGeom prst="rect">
+            <a:avLst/>
+          </a:prstGeom>
+          <a:noFill/>
+          <a:ln w="9525" cap="flat" cmpd="sng">
+            <a:solidFill>
+              <a:srgbClr val="FF0000"/>
+            </a:solidFill>
+            <a:prstDash val="solid"/>
+            <a:round/>
+            <a:headEnd type="none" w="sm" len="sm"/>
+            <a:tailEnd type="none" w="sm" len="sm"/>
+          </a:ln>
+        </p:spPr>
+      </p:pic>
       <p:sp>
         <p:nvSpPr>
-          <p:cNvPr id="293" name="Google Shape;293;p33"/>
+          <p:cNvPr id="292" name="Google Shape;292;p33"/>
           <p:cNvSpPr txBox="1"/>
           <p:nvPr/>
         </p:nvSpPr>
         <p:spPr>
           <a:xfrm>
-            <a:off x="55075" y="2969133"/>
-            <a:ext cx="4392000" cy="2050200"/>
+            <a:off x="122063" y="3239175"/>
+            <a:ext cx="5059800" cy="1557600"/>
           </a:xfrm>
           <a:prstGeom prst="rect">
             <a:avLst/>
@@ -22357,27 +22333,50 @@
                 <a:spcPts val="0"/>
               </a:spcAft>
               <a:buClr>
-                <a:srgbClr val="FF0000"/>
+                <a:schemeClr val="dk1"/>
               </a:buClr>
               <a:buSzPts val="1200"/>
               <a:buFont typeface="Calibri"/>
               <a:buChar char="●"/>
             </a:pPr>
             <a:r>
-              <a:rPr lang="en" sz="1200" b="1">
-                <a:solidFill>
-                  <a:srgbClr val="FF0000"/>
-                </a:solidFill>
-                <a:latin typeface="Calibri"/>
-                <a:ea typeface="Calibri"/>
-                <a:cs typeface="Calibri"/>
-                <a:sym typeface="Calibri"/>
-              </a:rPr>
-              <a:t>OpenAI works with Health Data</a:t>
-            </a:r>
-            <a:endParaRPr sz="1200" b="1">
+              <a:rPr lang="en" sz="1200">
+                <a:solidFill>
+                  <a:schemeClr val="dk1"/>
+                </a:solidFill>
+                <a:latin typeface="Calibri"/>
+                <a:ea typeface="Calibri"/>
+                <a:cs typeface="Calibri"/>
+                <a:sym typeface="Calibri"/>
+              </a:rPr>
+              <a:t>Alternatively you can send Excel file to Claude via API,</a:t>
+            </a:r>
+            <a:br>
+              <a:rPr lang="en" sz="1200">
+                <a:solidFill>
+                  <a:schemeClr val="dk1"/>
+                </a:solidFill>
+                <a:latin typeface="Calibri"/>
+                <a:ea typeface="Calibri"/>
+                <a:cs typeface="Calibri"/>
+                <a:sym typeface="Calibri"/>
+              </a:rPr>
+            </a:br>
+            <a:r>
+              <a:rPr lang="en" sz="1200">
+                <a:solidFill>
+                  <a:schemeClr val="dk1"/>
+                </a:solidFill>
+                <a:latin typeface="Calibri"/>
+                <a:ea typeface="Calibri"/>
+                <a:cs typeface="Calibri"/>
+                <a:sym typeface="Calibri"/>
+              </a:rPr>
+              <a:t>and then ask Claude about it - Claude will keep it ready for a year:</a:t>
+            </a:r>
+            <a:endParaRPr sz="1200">
               <a:solidFill>
-                <a:srgbClr val="FF0000"/>
+                <a:schemeClr val="dk1"/>
               </a:solidFill>
               <a:latin typeface="Calibri"/>
               <a:ea typeface="Calibri"/>
@@ -22404,16 +22403,108 @@
               <a:buChar char="●"/>
             </a:pPr>
             <a:r>
-              <a:rPr lang="en" sz="1200">
-                <a:solidFill>
-                  <a:schemeClr val="dk1"/>
-                </a:solidFill>
-                <a:latin typeface="Calibri"/>
-                <a:ea typeface="Calibri"/>
-                <a:cs typeface="Calibri"/>
-                <a:sym typeface="Calibri"/>
-              </a:rPr>
-              <a:t>OpenAI recently acquired Torch, a 4-person startup, for $100 Mln to solve the problem of fragmented medical records</a:t>
+              <a:rPr lang="en" sz="1000" b="1">
+                <a:solidFill>
+                  <a:srgbClr val="3D85C6"/>
+                </a:solidFill>
+                <a:latin typeface="Roboto Mono"/>
+                <a:ea typeface="Roboto Mono"/>
+                <a:cs typeface="Roboto Mono"/>
+                <a:sym typeface="Roboto Mono"/>
+              </a:rPr>
+              <a:t>curl -X POST https://api.anthropic.com/v1/files \</a:t>
+            </a:r>
+            <a:br>
+              <a:rPr lang="en" sz="1000" b="1">
+                <a:solidFill>
+                  <a:srgbClr val="3D85C6"/>
+                </a:solidFill>
+                <a:latin typeface="Roboto Mono"/>
+                <a:ea typeface="Roboto Mono"/>
+                <a:cs typeface="Roboto Mono"/>
+                <a:sym typeface="Roboto Mono"/>
+              </a:rPr>
+            </a:br>
+            <a:r>
+              <a:rPr lang="en" sz="1000" b="1">
+                <a:solidFill>
+                  <a:srgbClr val="3D85C6"/>
+                </a:solidFill>
+                <a:latin typeface="Roboto Mono"/>
+                <a:ea typeface="Roboto Mono"/>
+                <a:cs typeface="Roboto Mono"/>
+                <a:sym typeface="Roboto Mono"/>
+              </a:rPr>
+              <a:t>  -H "x-api-key: $ANTHROPIC_API_KEY" \</a:t>
+            </a:r>
+            <a:br>
+              <a:rPr lang="en" sz="1000" b="1">
+                <a:solidFill>
+                  <a:srgbClr val="3D85C6"/>
+                </a:solidFill>
+                <a:latin typeface="Roboto Mono"/>
+                <a:ea typeface="Roboto Mono"/>
+                <a:cs typeface="Roboto Mono"/>
+                <a:sym typeface="Roboto Mono"/>
+              </a:rPr>
+            </a:br>
+            <a:r>
+              <a:rPr lang="en" sz="1000" b="1">
+                <a:solidFill>
+                  <a:srgbClr val="3D85C6"/>
+                </a:solidFill>
+                <a:latin typeface="Roboto Mono"/>
+                <a:ea typeface="Roboto Mono"/>
+                <a:cs typeface="Roboto Mono"/>
+                <a:sym typeface="Roboto Mono"/>
+              </a:rPr>
+              <a:t>  -H "anthropic-version: 2023-06-01" \</a:t>
+            </a:r>
+            <a:br>
+              <a:rPr lang="en" sz="1000" b="1">
+                <a:solidFill>
+                  <a:srgbClr val="3D85C6"/>
+                </a:solidFill>
+                <a:latin typeface="Roboto Mono"/>
+                <a:ea typeface="Roboto Mono"/>
+                <a:cs typeface="Roboto Mono"/>
+                <a:sym typeface="Roboto Mono"/>
+              </a:rPr>
+            </a:br>
+            <a:r>
+              <a:rPr lang="en" sz="1000" b="1">
+                <a:solidFill>
+                  <a:srgbClr val="3D85C6"/>
+                </a:solidFill>
+                <a:latin typeface="Roboto Mono"/>
+                <a:ea typeface="Roboto Mono"/>
+                <a:cs typeface="Roboto Mono"/>
+                <a:sym typeface="Roboto Mono"/>
+              </a:rPr>
+              <a:t>  -H "anthropic-beta: files-api-2025-04-14" \</a:t>
+            </a:r>
+            <a:br>
+              <a:rPr lang="en" sz="1000" b="1">
+                <a:solidFill>
+                  <a:srgbClr val="3D85C6"/>
+                </a:solidFill>
+                <a:latin typeface="Roboto Mono"/>
+                <a:ea typeface="Roboto Mono"/>
+                <a:cs typeface="Roboto Mono"/>
+                <a:sym typeface="Roboto Mono"/>
+              </a:rPr>
+            </a:br>
+            <a:r>
+              <a:rPr lang="en" sz="1000" b="1">
+                <a:solidFill>
+                  <a:srgbClr val="3D85C6"/>
+                </a:solidFill>
+                <a:latin typeface="Roboto Mono"/>
+                <a:ea typeface="Roboto Mono"/>
+                <a:cs typeface="Roboto Mono"/>
+                <a:sym typeface="Roboto Mono"/>
+              </a:rPr>
+              <a:t>  -F "file=@/path/to/spreadsheet.xlsx"</a:t>
             </a:r>
             <a:endParaRPr sz="1200">
               <a:solidFill>
@@ -22453,127 +22544,7 @@
                 <a:cs typeface="Calibri"/>
                 <a:sym typeface="Calibri"/>
               </a:rPr>
-              <a:t>The platform integrates with providers like Apple Health and Peloton to offer personalized health guidance, help interpret test results, and prepare users for doctor visits</a:t>
-            </a:r>
-            <a:endParaRPr sz="1200">
-              <a:solidFill>
-                <a:schemeClr val="dk1"/>
-              </a:solidFill>
-              <a:latin typeface="Calibri"/>
-              <a:ea typeface="Calibri"/>
-              <a:cs typeface="Calibri"/>
-              <a:sym typeface="Calibri"/>
-            </a:endParaRPr>
-          </a:p>
-          <a:p>
-            <a:pPr marL="171450" marR="0" lvl="0" indent="-133350" algn="l" rtl="0">
-              <a:lnSpc>
-                <a:spcPct val="100000"/>
-              </a:lnSpc>
-              <a:spcBef>
-                <a:spcPts val="0"/>
-              </a:spcBef>
-              <a:spcAft>
-                <a:spcPts val="0"/>
-              </a:spcAft>
-              <a:buClr>
-                <a:schemeClr val="dk1"/>
-              </a:buClr>
-              <a:buSzPts val="1200"/>
-              <a:buFont typeface="Calibri"/>
-              <a:buChar char="●"/>
-            </a:pPr>
-            <a:r>
-              <a:rPr lang="en" sz="1200">
-                <a:solidFill>
-                  <a:schemeClr val="dk1"/>
-                </a:solidFill>
-                <a:latin typeface="Calibri"/>
-                <a:ea typeface="Calibri"/>
-                <a:cs typeface="Calibri"/>
-                <a:sym typeface="Calibri"/>
-              </a:rPr>
-              <a:t>It was developed alongside 260 physicians and uses "HealthBench" to prioritize clinical standards over simple accuracy</a:t>
-            </a:r>
-            <a:endParaRPr sz="1200">
-              <a:solidFill>
-                <a:schemeClr val="dk1"/>
-              </a:solidFill>
-              <a:latin typeface="Calibri"/>
-              <a:ea typeface="Calibri"/>
-              <a:cs typeface="Calibri"/>
-              <a:sym typeface="Calibri"/>
-            </a:endParaRPr>
-          </a:p>
-          <a:p>
-            <a:pPr marL="171450" marR="0" lvl="0" indent="-133350" algn="l" rtl="0">
-              <a:lnSpc>
-                <a:spcPct val="100000"/>
-              </a:lnSpc>
-              <a:spcBef>
-                <a:spcPts val="0"/>
-              </a:spcBef>
-              <a:spcAft>
-                <a:spcPts val="0"/>
-              </a:spcAft>
-              <a:buClr>
-                <a:schemeClr val="dk1"/>
-              </a:buClr>
-              <a:buSzPts val="1200"/>
-              <a:buFont typeface="Calibri"/>
-              <a:buChar char="●"/>
-            </a:pPr>
-            <a:r>
-              <a:rPr lang="en" sz="1200">
-                <a:solidFill>
-                  <a:schemeClr val="dk1"/>
-                </a:solidFill>
-                <a:latin typeface="Calibri"/>
-                <a:ea typeface="Calibri"/>
-                <a:cs typeface="Calibri"/>
-                <a:sym typeface="Calibri"/>
-              </a:rPr>
-              <a:t>Iit does not provide diagnoses, but it acts as a 24/7 medical assistant</a:t>
-            </a:r>
-            <a:endParaRPr sz="1200">
-              <a:solidFill>
-                <a:schemeClr val="dk1"/>
-              </a:solidFill>
-              <a:latin typeface="Calibri"/>
-              <a:ea typeface="Calibri"/>
-              <a:cs typeface="Calibri"/>
-              <a:sym typeface="Calibri"/>
-            </a:endParaRPr>
-          </a:p>
-          <a:p>
-            <a:pPr marL="171450" marR="0" lvl="0" indent="-133350" algn="l" rtl="0">
-              <a:lnSpc>
-                <a:spcPct val="100000"/>
-              </a:lnSpc>
-              <a:spcBef>
-                <a:spcPts val="0"/>
-              </a:spcBef>
-              <a:spcAft>
-                <a:spcPts val="0"/>
-              </a:spcAft>
-              <a:buClr>
-                <a:schemeClr val="dk1"/>
-              </a:buClr>
-              <a:buSzPts val="1200"/>
-              <a:buFont typeface="Calibri"/>
-              <a:buChar char="●"/>
-            </a:pPr>
-            <a:r>
-              <a:rPr lang="en" sz="1200">
-                <a:solidFill>
-                  <a:schemeClr val="dk1"/>
-                </a:solidFill>
-                <a:latin typeface="Calibri"/>
-                <a:ea typeface="Calibri"/>
-                <a:cs typeface="Calibri"/>
-                <a:sym typeface="Calibri"/>
-              </a:rPr>
-              <a:t>Current status - waiting list</a:t>
+              <a:t>This command returns the file_id that you can reference in Messages API calls for up to 365 days</a:t>
             </a:r>
             <a:endParaRPr sz="1200">
               <a:solidFill>
@@ -28459,28 +28430,34 @@
         <p:nvGraphicFramePr>
           <p:cNvPr id="142" name="Google Shape;142;p16"/>
           <p:cNvGraphicFramePr/>
-          <p:nvPr/>
+          <p:nvPr>
+            <p:extLst>
+              <p:ext uri="{D42A27DB-BD31-4B8C-83A1-F6EECF244321}">
+                <p14:modId xmlns:p14="http://schemas.microsoft.com/office/powerpoint/2010/main" val="1909575924"/>
+              </p:ext>
+            </p:extLst>
+          </p:nvPr>
         </p:nvGraphicFramePr>
         <p:xfrm>
-          <a:off x="523850" y="563863"/>
-          <a:ext cx="3000000" cy="3000000"/>
+          <a:off x="523849" y="563863"/>
+          <a:ext cx="2364905" cy="4491775"/>
         </p:xfrm>
         <a:graphic>
           <a:graphicData uri="http://schemas.openxmlformats.org/drawingml/2006/table">
             <a:tbl>
               <a:tblPr>
                 <a:noFill/>
-                <a:tableStyleId>{7A7B9BA1-CD73-4730-BB8F-43AE1603B54E}</a:tableStyleId>
+                <a:tableStyleId>{BBD9AD19-8D72-432B-9C04-E3158852B248}</a:tableStyleId>
               </a:tblPr>
               <a:tblGrid>
-                <a:gridCol w="1800225">
+                <a:gridCol w="2031668">
                   <a:extLst>
                     <a:ext uri="{9D8B030D-6E8A-4147-A177-3AD203B41FA5}">
                       <a16:colId xmlns:a16="http://schemas.microsoft.com/office/drawing/2014/main" val="20000"/>
                     </a:ext>
                   </a:extLst>
                 </a:gridCol>
-                <a:gridCol w="295275">
+                <a:gridCol w="333237">
                   <a:extLst>
                     <a:ext uri="{9D8B030D-6E8A-4147-A177-3AD203B41FA5}">
                       <a16:colId xmlns:a16="http://schemas.microsoft.com/office/drawing/2014/main" val="20001"/>
@@ -28488,7 +28465,7 @@
                   </a:extLst>
                 </a:gridCol>
               </a:tblGrid>
-              <a:tr h="117825">
+              <a:tr h="179671">
                 <a:tc>
                   <a:txBody>
                     <a:bodyPr/>
@@ -28647,7 +28624,7 @@
                   </a:ext>
                 </a:extLst>
               </a:tr>
-              <a:tr h="117825">
+              <a:tr h="179671">
                 <a:tc>
                   <a:txBody>
                     <a:bodyPr/>
@@ -28825,7 +28802,7 @@
                   </a:ext>
                 </a:extLst>
               </a:tr>
-              <a:tr h="117825">
+              <a:tr h="179671">
                 <a:tc>
                   <a:txBody>
                     <a:bodyPr/>
@@ -29003,7 +28980,7 @@
                   </a:ext>
                 </a:extLst>
               </a:tr>
-              <a:tr h="117825">
+              <a:tr h="179671">
                 <a:tc>
                   <a:txBody>
                     <a:bodyPr/>
@@ -29181,7 +29158,7 @@
                   </a:ext>
                 </a:extLst>
               </a:tr>
-              <a:tr h="168300">
+              <a:tr h="179671">
                 <a:tc>
                   <a:txBody>
                     <a:bodyPr/>
@@ -29359,7 +29336,7 @@
                   </a:ext>
                 </a:extLst>
               </a:tr>
-              <a:tr h="117825">
+              <a:tr h="179671">
                 <a:tc>
                   <a:txBody>
                     <a:bodyPr/>
@@ -29537,7 +29514,7 @@
                   </a:ext>
                 </a:extLst>
               </a:tr>
-              <a:tr h="117825">
+              <a:tr h="179671">
                 <a:tc>
                   <a:txBody>
                     <a:bodyPr/>
@@ -29715,7 +29692,7 @@
                   </a:ext>
                 </a:extLst>
               </a:tr>
-              <a:tr h="117825">
+              <a:tr h="179671">
                 <a:tc>
                   <a:txBody>
                     <a:bodyPr/>
@@ -29893,7 +29870,7 @@
                   </a:ext>
                 </a:extLst>
               </a:tr>
-              <a:tr h="117825">
+              <a:tr h="179671">
                 <a:tc>
                   <a:txBody>
                     <a:bodyPr/>
@@ -30071,7 +30048,7 @@
                   </a:ext>
                 </a:extLst>
               </a:tr>
-              <a:tr h="117825">
+              <a:tr h="179671">
                 <a:tc>
                   <a:txBody>
                     <a:bodyPr/>
@@ -30249,7 +30226,7 @@
                   </a:ext>
                 </a:extLst>
               </a:tr>
-              <a:tr h="168300">
+              <a:tr h="179671">
                 <a:tc>
                   <a:txBody>
                     <a:bodyPr/>
@@ -30427,7 +30404,7 @@
                   </a:ext>
                 </a:extLst>
               </a:tr>
-              <a:tr h="117825">
+              <a:tr h="179671">
                 <a:tc>
                   <a:txBody>
                     <a:bodyPr/>
@@ -30605,7 +30582,7 @@
                   </a:ext>
                 </a:extLst>
               </a:tr>
-              <a:tr h="117825">
+              <a:tr h="179671">
                 <a:tc>
                   <a:txBody>
                     <a:bodyPr/>
@@ -30783,7 +30760,7 @@
                   </a:ext>
                 </a:extLst>
               </a:tr>
-              <a:tr h="117825">
+              <a:tr h="179671">
                 <a:tc>
                   <a:txBody>
                     <a:bodyPr/>
@@ -30961,7 +30938,7 @@
                   </a:ext>
                 </a:extLst>
               </a:tr>
-              <a:tr h="117825">
+              <a:tr h="179671">
                 <a:tc>
                   <a:txBody>
                     <a:bodyPr/>
@@ -31139,7 +31116,7 @@
                   </a:ext>
                 </a:extLst>
               </a:tr>
-              <a:tr h="168300">
+              <a:tr h="179671">
                 <a:tc>
                   <a:txBody>
                     <a:bodyPr/>
@@ -31317,7 +31294,7 @@
                   </a:ext>
                 </a:extLst>
               </a:tr>
-              <a:tr h="117825">
+              <a:tr h="179671">
                 <a:tc>
                   <a:txBody>
                     <a:bodyPr/>
@@ -31495,7 +31472,7 @@
                   </a:ext>
                 </a:extLst>
               </a:tr>
-              <a:tr h="117825">
+              <a:tr h="179671">
                 <a:tc>
                   <a:txBody>
                     <a:bodyPr/>
@@ -31673,7 +31650,7 @@
                   </a:ext>
                 </a:extLst>
               </a:tr>
-              <a:tr h="117825">
+              <a:tr h="179671">
                 <a:tc>
                   <a:txBody>
                     <a:bodyPr/>
@@ -31851,7 +31828,7 @@
                   </a:ext>
                 </a:extLst>
               </a:tr>
-              <a:tr h="117825">
+              <a:tr h="179671">
                 <a:tc>
                   <a:txBody>
                     <a:bodyPr/>
@@ -32029,7 +32006,7 @@
                   </a:ext>
                 </a:extLst>
               </a:tr>
-              <a:tr h="117825">
+              <a:tr h="179671">
                 <a:tc>
                   <a:txBody>
                     <a:bodyPr/>
@@ -32207,7 +32184,7 @@
                   </a:ext>
                 </a:extLst>
               </a:tr>
-              <a:tr h="117825">
+              <a:tr h="179671">
                 <a:tc>
                   <a:txBody>
                     <a:bodyPr/>
@@ -32385,7 +32362,7 @@
                   </a:ext>
                 </a:extLst>
               </a:tr>
-              <a:tr h="117825">
+              <a:tr h="179671">
                 <a:tc>
                   <a:txBody>
                     <a:bodyPr/>
@@ -32563,7 +32540,7 @@
                   </a:ext>
                 </a:extLst>
               </a:tr>
-              <a:tr h="117825">
+              <a:tr h="179671">
                 <a:tc>
                   <a:txBody>
                     <a:bodyPr/>
@@ -32741,7 +32718,7 @@
                   </a:ext>
                 </a:extLst>
               </a:tr>
-              <a:tr h="117825">
+              <a:tr h="179671">
                 <a:tc>
                   <a:txBody>
                     <a:bodyPr/>
@@ -32849,7 +32826,7 @@
                         <a:buNone/>
                       </a:pPr>
                       <a:r>
-                        <a:rPr lang="en" sz="800">
+                        <a:rPr lang="en" sz="800" dirty="0">
                           <a:solidFill>
                             <a:srgbClr val="413D39"/>
                           </a:solidFill>
@@ -32860,7 +32837,7 @@
                         </a:rPr>
                         <a:t>1434</a:t>
                       </a:r>
-                      <a:endParaRPr sz="800">
+                      <a:endParaRPr sz="800" dirty="0">
                         <a:solidFill>
                           <a:srgbClr val="413D39"/>
                         </a:solidFill>
@@ -32927,28 +32904,34 @@
         <p:nvGraphicFramePr>
           <p:cNvPr id="143" name="Google Shape;143;p16"/>
           <p:cNvGraphicFramePr/>
-          <p:nvPr/>
+          <p:nvPr>
+            <p:extLst>
+              <p:ext uri="{D42A27DB-BD31-4B8C-83A1-F6EECF244321}">
+                <p14:modId xmlns:p14="http://schemas.microsoft.com/office/powerpoint/2010/main" val="1935198633"/>
+              </p:ext>
+            </p:extLst>
+          </p:nvPr>
         </p:nvGraphicFramePr>
         <p:xfrm>
-          <a:off x="3473250" y="563750"/>
-          <a:ext cx="3000000" cy="3000000"/>
+          <a:off x="3473249" y="563750"/>
+          <a:ext cx="2364905" cy="4491775"/>
         </p:xfrm>
         <a:graphic>
           <a:graphicData uri="http://schemas.openxmlformats.org/drawingml/2006/table">
             <a:tbl>
               <a:tblPr>
                 <a:noFill/>
-                <a:tableStyleId>{7A7B9BA1-CD73-4730-BB8F-43AE1603B54E}</a:tableStyleId>
+                <a:tableStyleId>{BBD9AD19-8D72-432B-9C04-E3158852B248}</a:tableStyleId>
               </a:tblPr>
               <a:tblGrid>
-                <a:gridCol w="1800225">
+                <a:gridCol w="2031668">
                   <a:extLst>
                     <a:ext uri="{9D8B030D-6E8A-4147-A177-3AD203B41FA5}">
                       <a16:colId xmlns:a16="http://schemas.microsoft.com/office/drawing/2014/main" val="20000"/>
                     </a:ext>
                   </a:extLst>
                 </a:gridCol>
-                <a:gridCol w="295275">
+                <a:gridCol w="333237">
                   <a:extLst>
                     <a:ext uri="{9D8B030D-6E8A-4147-A177-3AD203B41FA5}">
                       <a16:colId xmlns:a16="http://schemas.microsoft.com/office/drawing/2014/main" val="20001"/>
@@ -32956,7 +32939,7 @@
                   </a:extLst>
                 </a:gridCol>
               </a:tblGrid>
-              <a:tr h="84500">
+              <a:tr h="179671">
                 <a:tc>
                   <a:txBody>
                     <a:bodyPr/>
@@ -33115,7 +33098,7 @@
                   </a:ext>
                 </a:extLst>
               </a:tr>
-              <a:tr h="120725">
+              <a:tr h="179671">
                 <a:tc>
                   <a:txBody>
                     <a:bodyPr/>
@@ -33293,7 +33276,7 @@
                   </a:ext>
                 </a:extLst>
               </a:tr>
-              <a:tr h="120725">
+              <a:tr h="179671">
                 <a:tc>
                   <a:txBody>
                     <a:bodyPr/>
@@ -33471,7 +33454,7 @@
                   </a:ext>
                 </a:extLst>
               </a:tr>
-              <a:tr h="84500">
+              <a:tr h="179671">
                 <a:tc>
                   <a:txBody>
                     <a:bodyPr/>
@@ -33649,7 +33632,7 @@
                   </a:ext>
                 </a:extLst>
               </a:tr>
-              <a:tr h="84500">
+              <a:tr h="179671">
                 <a:tc>
                   <a:txBody>
                     <a:bodyPr/>
@@ -33827,7 +33810,7 @@
                   </a:ext>
                 </a:extLst>
               </a:tr>
-              <a:tr h="84500">
+              <a:tr h="179671">
                 <a:tc>
                   <a:txBody>
                     <a:bodyPr/>
@@ -34005,7 +33988,7 @@
                   </a:ext>
                 </a:extLst>
               </a:tr>
-              <a:tr h="120725">
+              <a:tr h="179671">
                 <a:tc>
                   <a:txBody>
                     <a:bodyPr/>
@@ -34183,7 +34166,7 @@
                   </a:ext>
                 </a:extLst>
               </a:tr>
-              <a:tr h="84500">
+              <a:tr h="179671">
                 <a:tc>
                   <a:txBody>
                     <a:bodyPr/>
@@ -34361,7 +34344,7 @@
                   </a:ext>
                 </a:extLst>
               </a:tr>
-              <a:tr h="84500">
+              <a:tr h="179671">
                 <a:tc>
                   <a:txBody>
                     <a:bodyPr/>
@@ -34539,7 +34522,7 @@
                   </a:ext>
                 </a:extLst>
               </a:tr>
-              <a:tr h="84500">
+              <a:tr h="179671">
                 <a:tc>
                   <a:txBody>
                     <a:bodyPr/>
@@ -34717,7 +34700,7 @@
                   </a:ext>
                 </a:extLst>
               </a:tr>
-              <a:tr h="84500">
+              <a:tr h="179671">
                 <a:tc>
                   <a:txBody>
                     <a:bodyPr/>
@@ -34895,7 +34878,7 @@
                   </a:ext>
                 </a:extLst>
               </a:tr>
-              <a:tr h="84500">
+              <a:tr h="179671">
                 <a:tc>
                   <a:txBody>
                     <a:bodyPr/>
@@ -35073,7 +35056,7 @@
                   </a:ext>
                 </a:extLst>
               </a:tr>
-              <a:tr h="84500">
+              <a:tr h="179671">
                 <a:tc>
                   <a:txBody>
                     <a:bodyPr/>
@@ -35251,7 +35234,7 @@
                   </a:ext>
                 </a:extLst>
               </a:tr>
-              <a:tr h="84500">
+              <a:tr h="179671">
                 <a:tc>
                   <a:txBody>
                     <a:bodyPr/>
@@ -35429,7 +35412,7 @@
                   </a:ext>
                 </a:extLst>
               </a:tr>
-              <a:tr h="84500">
+              <a:tr h="179671">
                 <a:tc>
                   <a:txBody>
                     <a:bodyPr/>
@@ -35607,7 +35590,7 @@
                   </a:ext>
                 </a:extLst>
               </a:tr>
-              <a:tr h="84500">
+              <a:tr h="179671">
                 <a:tc>
                   <a:txBody>
                     <a:bodyPr/>
@@ -35785,7 +35768,7 @@
                   </a:ext>
                 </a:extLst>
               </a:tr>
-              <a:tr h="84500">
+              <a:tr h="179671">
                 <a:tc>
                   <a:txBody>
                     <a:bodyPr/>
@@ -35963,7 +35946,7 @@
                   </a:ext>
                 </a:extLst>
               </a:tr>
-              <a:tr h="84500">
+              <a:tr h="179671">
                 <a:tc>
                   <a:txBody>
                     <a:bodyPr/>
@@ -36141,7 +36124,7 @@
                   </a:ext>
                 </a:extLst>
               </a:tr>
-              <a:tr h="84500">
+              <a:tr h="179671">
                 <a:tc>
                   <a:txBody>
                     <a:bodyPr/>
@@ -36319,7 +36302,7 @@
                   </a:ext>
                 </a:extLst>
               </a:tr>
-              <a:tr h="84500">
+              <a:tr h="179671">
                 <a:tc>
                   <a:txBody>
                     <a:bodyPr/>
@@ -36497,7 +36480,7 @@
                   </a:ext>
                 </a:extLst>
               </a:tr>
-              <a:tr h="84500">
+              <a:tr h="179671">
                 <a:tc>
                   <a:txBody>
                     <a:bodyPr/>
@@ -36675,7 +36658,7 @@
                   </a:ext>
                 </a:extLst>
               </a:tr>
-              <a:tr h="84500">
+              <a:tr h="179671">
                 <a:tc>
                   <a:txBody>
                     <a:bodyPr/>
@@ -36853,7 +36836,7 @@
                   </a:ext>
                 </a:extLst>
               </a:tr>
-              <a:tr h="84500">
+              <a:tr h="179671">
                 <a:tc>
                   <a:txBody>
                     <a:bodyPr/>
@@ -37031,7 +37014,7 @@
                   </a:ext>
                 </a:extLst>
               </a:tr>
-              <a:tr h="84500">
+              <a:tr h="179671">
                 <a:tc>
                   <a:txBody>
                     <a:bodyPr/>
@@ -37209,7 +37192,7 @@
                   </a:ext>
                 </a:extLst>
               </a:tr>
-              <a:tr h="84500">
+              <a:tr h="179671">
                 <a:tc>
                   <a:txBody>
                     <a:bodyPr/>
@@ -37404,7 +37387,7 @@
   <p:cSld>
     <p:spTree>
       <p:nvGrpSpPr>
-        <p:cNvPr id="1" name="Shape 297"/>
+        <p:cNvPr id="1" name="Shape 296"/>
         <p:cNvGrpSpPr/>
         <p:nvPr/>
       </p:nvGrpSpPr>
@@ -37418,7 +37401,1447 @@
       </p:grpSpPr>
       <p:sp>
         <p:nvSpPr>
+          <p:cNvPr id="297" name="Google Shape;297;p34"/>
+          <p:cNvSpPr txBox="1"/>
+          <p:nvPr/>
+        </p:nvSpPr>
+        <p:spPr>
+          <a:xfrm>
+            <a:off x="55075" y="43025"/>
+            <a:ext cx="1404900" cy="326400"/>
+          </a:xfrm>
+          <a:prstGeom prst="rect">
+            <a:avLst/>
+          </a:prstGeom>
+          <a:noFill/>
+          <a:ln>
+            <a:noFill/>
+          </a:ln>
+        </p:spPr>
+        <p:txBody>
+          <a:bodyPr spcFirstLastPara="1" wrap="square" lIns="9125" tIns="9125" rIns="9125" bIns="9125" anchor="t" anchorCtr="0">
+            <a:spAutoFit/>
+          </a:bodyPr>
+          <a:lstStyle/>
+          <a:p>
+            <a:pPr marL="0" marR="0" lvl="0" indent="0" algn="l" rtl="0">
+              <a:lnSpc>
+                <a:spcPct val="100000"/>
+              </a:lnSpc>
+              <a:spcBef>
+                <a:spcPts val="0"/>
+              </a:spcBef>
+              <a:spcAft>
+                <a:spcPts val="0"/>
+              </a:spcAft>
+              <a:buClr>
+                <a:schemeClr val="dk1"/>
+              </a:buClr>
+              <a:buSzPts val="1100"/>
+              <a:buFont typeface="Arial"/>
+              <a:buNone/>
+            </a:pPr>
+            <a:r>
+              <a:rPr lang="en" sz="2000" b="1">
+                <a:solidFill>
+                  <a:schemeClr val="dk1"/>
+                </a:solidFill>
+                <a:latin typeface="Calibri"/>
+                <a:ea typeface="Calibri"/>
+                <a:cs typeface="Calibri"/>
+                <a:sym typeface="Calibri"/>
+              </a:rPr>
+              <a:t>AI Updates</a:t>
+            </a:r>
+            <a:endParaRPr sz="2000" b="1">
+              <a:solidFill>
+                <a:schemeClr val="dk1"/>
+              </a:solidFill>
+              <a:latin typeface="Calibri"/>
+              <a:ea typeface="Calibri"/>
+              <a:cs typeface="Calibri"/>
+              <a:sym typeface="Calibri"/>
+            </a:endParaRPr>
+          </a:p>
+        </p:txBody>
+      </p:sp>
+      <p:sp>
+        <p:nvSpPr>
           <p:cNvPr id="298" name="Google Shape;298;p34"/>
+          <p:cNvSpPr txBox="1"/>
+          <p:nvPr/>
+        </p:nvSpPr>
+        <p:spPr>
+          <a:xfrm>
+            <a:off x="55075" y="464333"/>
+            <a:ext cx="4392000" cy="2419500"/>
+          </a:xfrm>
+          <a:prstGeom prst="rect">
+            <a:avLst/>
+          </a:prstGeom>
+          <a:solidFill>
+            <a:srgbClr val="FFF2CC"/>
+          </a:solidFill>
+          <a:ln w="9525" cap="flat" cmpd="sng">
+            <a:solidFill>
+              <a:srgbClr val="FF0000"/>
+            </a:solidFill>
+            <a:prstDash val="solid"/>
+            <a:round/>
+            <a:headEnd type="none" w="sm" len="sm"/>
+            <a:tailEnd type="none" w="sm" len="sm"/>
+          </a:ln>
+        </p:spPr>
+        <p:txBody>
+          <a:bodyPr spcFirstLastPara="1" wrap="square" lIns="9125" tIns="9125" rIns="9125" bIns="9125" anchor="t" anchorCtr="0">
+            <a:spAutoFit/>
+          </a:bodyPr>
+          <a:lstStyle/>
+          <a:p>
+            <a:pPr marL="171450" marR="0" lvl="0" indent="-133350" algn="l" rtl="0">
+              <a:lnSpc>
+                <a:spcPct val="100000"/>
+              </a:lnSpc>
+              <a:spcBef>
+                <a:spcPts val="0"/>
+              </a:spcBef>
+              <a:spcAft>
+                <a:spcPts val="0"/>
+              </a:spcAft>
+              <a:buClr>
+                <a:srgbClr val="FF0000"/>
+              </a:buClr>
+              <a:buSzPts val="1200"/>
+              <a:buFont typeface="Calibri"/>
+              <a:buChar char="●"/>
+            </a:pPr>
+            <a:r>
+              <a:rPr lang="en" sz="1200" b="1">
+                <a:solidFill>
+                  <a:srgbClr val="FF0000"/>
+                </a:solidFill>
+                <a:latin typeface="Calibri"/>
+                <a:ea typeface="Calibri"/>
+                <a:cs typeface="Calibri"/>
+                <a:sym typeface="Calibri"/>
+              </a:rPr>
+              <a:t>Force Agents to use Skills</a:t>
+            </a:r>
+            <a:endParaRPr sz="1200" b="1">
+              <a:solidFill>
+                <a:srgbClr val="FF0000"/>
+              </a:solidFill>
+              <a:latin typeface="Calibri"/>
+              <a:ea typeface="Calibri"/>
+              <a:cs typeface="Calibri"/>
+              <a:sym typeface="Calibri"/>
+            </a:endParaRPr>
+          </a:p>
+          <a:p>
+            <a:pPr marL="171450" marR="0" lvl="0" indent="-133350" algn="l" rtl="0">
+              <a:lnSpc>
+                <a:spcPct val="100000"/>
+              </a:lnSpc>
+              <a:spcBef>
+                <a:spcPts val="0"/>
+              </a:spcBef>
+              <a:spcAft>
+                <a:spcPts val="0"/>
+              </a:spcAft>
+              <a:buClr>
+                <a:schemeClr val="dk1"/>
+              </a:buClr>
+              <a:buSzPts val="1200"/>
+              <a:buFont typeface="Calibri"/>
+              <a:buChar char="●"/>
+            </a:pPr>
+            <a:r>
+              <a:rPr lang="en" sz="1200">
+                <a:solidFill>
+                  <a:schemeClr val="dk1"/>
+                </a:solidFill>
+                <a:latin typeface="Calibri"/>
+                <a:ea typeface="Calibri"/>
+                <a:cs typeface="Calibri"/>
+                <a:sym typeface="Calibri"/>
+              </a:rPr>
+              <a:t>Problem - AI agents like Claude Code and Cursor ignoring custom "skills" or rules</a:t>
+            </a:r>
+            <a:endParaRPr sz="1200">
+              <a:solidFill>
+                <a:schemeClr val="dk1"/>
+              </a:solidFill>
+              <a:latin typeface="Calibri"/>
+              <a:ea typeface="Calibri"/>
+              <a:cs typeface="Calibri"/>
+              <a:sym typeface="Calibri"/>
+            </a:endParaRPr>
+          </a:p>
+          <a:p>
+            <a:pPr marL="171450" marR="0" lvl="0" indent="-133350" algn="l" rtl="0">
+              <a:lnSpc>
+                <a:spcPct val="100000"/>
+              </a:lnSpc>
+              <a:spcBef>
+                <a:spcPts val="0"/>
+              </a:spcBef>
+              <a:spcAft>
+                <a:spcPts val="0"/>
+              </a:spcAft>
+              <a:buClr>
+                <a:schemeClr val="dk1"/>
+              </a:buClr>
+              <a:buSzPts val="1200"/>
+              <a:buFont typeface="Calibri"/>
+              <a:buChar char="●"/>
+            </a:pPr>
+            <a:r>
+              <a:rPr lang="en" sz="1200">
+                <a:solidFill>
+                  <a:schemeClr val="dk1"/>
+                </a:solidFill>
+                <a:latin typeface="Calibri"/>
+                <a:ea typeface="Calibri"/>
+                <a:cs typeface="Calibri"/>
+                <a:sym typeface="Calibri"/>
+              </a:rPr>
+              <a:t>Solution 1 - Use an agents.md file - agents read it automatically</a:t>
+            </a:r>
+            <a:endParaRPr sz="1200">
+              <a:solidFill>
+                <a:schemeClr val="dk1"/>
+              </a:solidFill>
+              <a:latin typeface="Calibri"/>
+              <a:ea typeface="Calibri"/>
+              <a:cs typeface="Calibri"/>
+              <a:sym typeface="Calibri"/>
+            </a:endParaRPr>
+          </a:p>
+          <a:p>
+            <a:pPr marL="171450" marR="0" lvl="0" indent="-133350" algn="l" rtl="0">
+              <a:lnSpc>
+                <a:spcPct val="100000"/>
+              </a:lnSpc>
+              <a:spcBef>
+                <a:spcPts val="0"/>
+              </a:spcBef>
+              <a:spcAft>
+                <a:spcPts val="0"/>
+              </a:spcAft>
+              <a:buClr>
+                <a:schemeClr val="dk1"/>
+              </a:buClr>
+              <a:buSzPts val="1200"/>
+              <a:buFont typeface="Calibri"/>
+              <a:buChar char="●"/>
+            </a:pPr>
+            <a:r>
+              <a:rPr lang="en" sz="1200">
+                <a:solidFill>
+                  <a:schemeClr val="dk1"/>
+                </a:solidFill>
+                <a:latin typeface="Calibri"/>
+                <a:ea typeface="Calibri"/>
+                <a:cs typeface="Calibri"/>
+                <a:sym typeface="Calibri"/>
+              </a:rPr>
+              <a:t>Solution 2 - add instructions in your persistent context file telling the agent exactly when and how to trigger specific skills</a:t>
+            </a:r>
+            <a:endParaRPr sz="1200">
+              <a:solidFill>
+                <a:schemeClr val="dk1"/>
+              </a:solidFill>
+              <a:latin typeface="Calibri"/>
+              <a:ea typeface="Calibri"/>
+              <a:cs typeface="Calibri"/>
+              <a:sym typeface="Calibri"/>
+            </a:endParaRPr>
+          </a:p>
+          <a:p>
+            <a:pPr marL="171450" marR="0" lvl="0" indent="-133350" algn="l" rtl="0">
+              <a:lnSpc>
+                <a:spcPct val="100000"/>
+              </a:lnSpc>
+              <a:spcBef>
+                <a:spcPts val="0"/>
+              </a:spcBef>
+              <a:spcAft>
+                <a:spcPts val="0"/>
+              </a:spcAft>
+              <a:buClr>
+                <a:schemeClr val="dk1"/>
+              </a:buClr>
+              <a:buSzPts val="1200"/>
+              <a:buFont typeface="Calibri"/>
+              <a:buChar char="●"/>
+            </a:pPr>
+            <a:r>
+              <a:rPr lang="en" sz="1200">
+                <a:solidFill>
+                  <a:schemeClr val="dk1"/>
+                </a:solidFill>
+                <a:latin typeface="Calibri"/>
+                <a:ea typeface="Calibri"/>
+                <a:cs typeface="Calibri"/>
+                <a:sym typeface="Calibri"/>
+              </a:rPr>
+              <a:t>Solution 3 - use "Compressed Reference" in your agents.md file. This acts as a map for the LLM to find detailed docs stored within your project</a:t>
+            </a:r>
+            <a:endParaRPr sz="1200">
+              <a:solidFill>
+                <a:schemeClr val="dk1"/>
+              </a:solidFill>
+              <a:latin typeface="Calibri"/>
+              <a:ea typeface="Calibri"/>
+              <a:cs typeface="Calibri"/>
+              <a:sym typeface="Calibri"/>
+            </a:endParaRPr>
+          </a:p>
+          <a:p>
+            <a:pPr marL="171450" marR="0" lvl="0" indent="-133350" algn="l" rtl="0">
+              <a:lnSpc>
+                <a:spcPct val="100000"/>
+              </a:lnSpc>
+              <a:spcBef>
+                <a:spcPts val="0"/>
+              </a:spcBef>
+              <a:spcAft>
+                <a:spcPts val="0"/>
+              </a:spcAft>
+              <a:buClr>
+                <a:schemeClr val="dk1"/>
+              </a:buClr>
+              <a:buSzPts val="1200"/>
+              <a:buFont typeface="Calibri"/>
+              <a:buChar char="●"/>
+            </a:pPr>
+            <a:r>
+              <a:rPr lang="en" sz="1200">
+                <a:solidFill>
+                  <a:schemeClr val="dk1"/>
+                </a:solidFill>
+                <a:latin typeface="Calibri"/>
+                <a:ea typeface="Calibri"/>
+                <a:cs typeface="Calibri"/>
+                <a:sym typeface="Calibri"/>
+              </a:rPr>
+              <a:t>Solution 4 - use levels to avoid context bloat. Embed primary rules directly via the index, then use pointers for secondary skills</a:t>
+            </a:r>
+            <a:endParaRPr sz="1200">
+              <a:solidFill>
+                <a:schemeClr val="dk1"/>
+              </a:solidFill>
+              <a:latin typeface="Calibri"/>
+              <a:ea typeface="Calibri"/>
+              <a:cs typeface="Calibri"/>
+              <a:sym typeface="Calibri"/>
+            </a:endParaRPr>
+          </a:p>
+          <a:p>
+            <a:pPr marL="171450" marR="0" lvl="0" indent="-133350" algn="l" rtl="0">
+              <a:lnSpc>
+                <a:spcPct val="100000"/>
+              </a:lnSpc>
+              <a:spcBef>
+                <a:spcPts val="0"/>
+              </a:spcBef>
+              <a:spcAft>
+                <a:spcPts val="0"/>
+              </a:spcAft>
+              <a:buClr>
+                <a:schemeClr val="dk1"/>
+              </a:buClr>
+              <a:buSzPts val="1200"/>
+              <a:buFont typeface="Calibri"/>
+              <a:buChar char="●"/>
+            </a:pPr>
+            <a:r>
+              <a:rPr lang="en" sz="1200">
+                <a:solidFill>
+                  <a:schemeClr val="dk1"/>
+                </a:solidFill>
+                <a:latin typeface="Calibri"/>
+                <a:ea typeface="Calibri"/>
+                <a:cs typeface="Calibri"/>
+                <a:sym typeface="Calibri"/>
+              </a:rPr>
+              <a:t>Solution 5 - use proactive prompting to force-trigger skills</a:t>
+            </a:r>
+            <a:endParaRPr sz="1200">
+              <a:solidFill>
+                <a:schemeClr val="dk1"/>
+              </a:solidFill>
+              <a:latin typeface="Calibri"/>
+              <a:ea typeface="Calibri"/>
+              <a:cs typeface="Calibri"/>
+              <a:sym typeface="Calibri"/>
+            </a:endParaRPr>
+          </a:p>
+          <a:p>
+            <a:pPr marL="171450" marR="0" lvl="0" indent="-133350" algn="l" rtl="0">
+              <a:lnSpc>
+                <a:spcPct val="100000"/>
+              </a:lnSpc>
+              <a:spcBef>
+                <a:spcPts val="0"/>
+              </a:spcBef>
+              <a:spcAft>
+                <a:spcPts val="0"/>
+              </a:spcAft>
+              <a:buClr>
+                <a:schemeClr val="dk1"/>
+              </a:buClr>
+              <a:buSzPts val="1200"/>
+              <a:buFont typeface="Calibri"/>
+              <a:buChar char="●"/>
+            </a:pPr>
+            <a:r>
+              <a:rPr lang="en" sz="1200" u="sng">
+                <a:solidFill>
+                  <a:schemeClr val="hlink"/>
+                </a:solidFill>
+                <a:latin typeface="Calibri"/>
+                <a:ea typeface="Calibri"/>
+                <a:cs typeface="Calibri"/>
+                <a:sym typeface="Calibri"/>
+                <a:hlinkClick r:id="rId3"/>
+              </a:rPr>
+              <a:t>https://www.youtube.com/watch?v=Hy_XOB83MQc</a:t>
+            </a:r>
+            <a:endParaRPr sz="1200">
+              <a:solidFill>
+                <a:schemeClr val="dk1"/>
+              </a:solidFill>
+              <a:latin typeface="Calibri"/>
+              <a:ea typeface="Calibri"/>
+              <a:cs typeface="Calibri"/>
+              <a:sym typeface="Calibri"/>
+            </a:endParaRPr>
+          </a:p>
+        </p:txBody>
+      </p:sp>
+      <p:sp>
+        <p:nvSpPr>
+          <p:cNvPr id="299" name="Google Shape;299;p34"/>
+          <p:cNvSpPr txBox="1"/>
+          <p:nvPr/>
+        </p:nvSpPr>
+        <p:spPr>
+          <a:xfrm>
+            <a:off x="55075" y="2969133"/>
+            <a:ext cx="4392000" cy="2050200"/>
+          </a:xfrm>
+          <a:prstGeom prst="rect">
+            <a:avLst/>
+          </a:prstGeom>
+          <a:solidFill>
+            <a:srgbClr val="FFF2CC"/>
+          </a:solidFill>
+          <a:ln w="9525" cap="flat" cmpd="sng">
+            <a:solidFill>
+              <a:srgbClr val="FF0000"/>
+            </a:solidFill>
+            <a:prstDash val="solid"/>
+            <a:round/>
+            <a:headEnd type="none" w="sm" len="sm"/>
+            <a:tailEnd type="none" w="sm" len="sm"/>
+          </a:ln>
+        </p:spPr>
+        <p:txBody>
+          <a:bodyPr spcFirstLastPara="1" wrap="square" lIns="9125" tIns="9125" rIns="9125" bIns="9125" anchor="t" anchorCtr="0">
+            <a:spAutoFit/>
+          </a:bodyPr>
+          <a:lstStyle/>
+          <a:p>
+            <a:pPr marL="171450" marR="0" lvl="0" indent="-133350" algn="l" rtl="0">
+              <a:lnSpc>
+                <a:spcPct val="100000"/>
+              </a:lnSpc>
+              <a:spcBef>
+                <a:spcPts val="0"/>
+              </a:spcBef>
+              <a:spcAft>
+                <a:spcPts val="0"/>
+              </a:spcAft>
+              <a:buClr>
+                <a:srgbClr val="FF0000"/>
+              </a:buClr>
+              <a:buSzPts val="1200"/>
+              <a:buFont typeface="Calibri"/>
+              <a:buChar char="●"/>
+            </a:pPr>
+            <a:r>
+              <a:rPr lang="en" sz="1200" b="1">
+                <a:solidFill>
+                  <a:srgbClr val="FF0000"/>
+                </a:solidFill>
+                <a:latin typeface="Calibri"/>
+                <a:ea typeface="Calibri"/>
+                <a:cs typeface="Calibri"/>
+                <a:sym typeface="Calibri"/>
+              </a:rPr>
+              <a:t>OpenAI works with Health Data</a:t>
+            </a:r>
+            <a:endParaRPr sz="1200" b="1">
+              <a:solidFill>
+                <a:srgbClr val="FF0000"/>
+              </a:solidFill>
+              <a:latin typeface="Calibri"/>
+              <a:ea typeface="Calibri"/>
+              <a:cs typeface="Calibri"/>
+              <a:sym typeface="Calibri"/>
+            </a:endParaRPr>
+          </a:p>
+          <a:p>
+            <a:pPr marL="171450" marR="0" lvl="0" indent="-133350" algn="l" rtl="0">
+              <a:lnSpc>
+                <a:spcPct val="100000"/>
+              </a:lnSpc>
+              <a:spcBef>
+                <a:spcPts val="0"/>
+              </a:spcBef>
+              <a:spcAft>
+                <a:spcPts val="0"/>
+              </a:spcAft>
+              <a:buClr>
+                <a:schemeClr val="dk1"/>
+              </a:buClr>
+              <a:buSzPts val="1200"/>
+              <a:buFont typeface="Calibri"/>
+              <a:buChar char="●"/>
+            </a:pPr>
+            <a:r>
+              <a:rPr lang="en" sz="1200">
+                <a:solidFill>
+                  <a:schemeClr val="dk1"/>
+                </a:solidFill>
+                <a:latin typeface="Calibri"/>
+                <a:ea typeface="Calibri"/>
+                <a:cs typeface="Calibri"/>
+                <a:sym typeface="Calibri"/>
+              </a:rPr>
+              <a:t>OpenAI recently acquired Torch, a 4-person startup, for $100 Mln to solve the problem of fragmented medical records</a:t>
+            </a:r>
+            <a:endParaRPr sz="1200">
+              <a:solidFill>
+                <a:schemeClr val="dk1"/>
+              </a:solidFill>
+              <a:latin typeface="Calibri"/>
+              <a:ea typeface="Calibri"/>
+              <a:cs typeface="Calibri"/>
+              <a:sym typeface="Calibri"/>
+            </a:endParaRPr>
+          </a:p>
+          <a:p>
+            <a:pPr marL="171450" marR="0" lvl="0" indent="-133350" algn="l" rtl="0">
+              <a:lnSpc>
+                <a:spcPct val="100000"/>
+              </a:lnSpc>
+              <a:spcBef>
+                <a:spcPts val="0"/>
+              </a:spcBef>
+              <a:spcAft>
+                <a:spcPts val="0"/>
+              </a:spcAft>
+              <a:buClr>
+                <a:schemeClr val="dk1"/>
+              </a:buClr>
+              <a:buSzPts val="1200"/>
+              <a:buFont typeface="Calibri"/>
+              <a:buChar char="●"/>
+            </a:pPr>
+            <a:r>
+              <a:rPr lang="en" sz="1200">
+                <a:solidFill>
+                  <a:schemeClr val="dk1"/>
+                </a:solidFill>
+                <a:latin typeface="Calibri"/>
+                <a:ea typeface="Calibri"/>
+                <a:cs typeface="Calibri"/>
+                <a:sym typeface="Calibri"/>
+              </a:rPr>
+              <a:t>The platform integrates with providers like Apple Health and Peloton to offer personalized health guidance, help interpret test results, and prepare users for doctor visits</a:t>
+            </a:r>
+            <a:endParaRPr sz="1200">
+              <a:solidFill>
+                <a:schemeClr val="dk1"/>
+              </a:solidFill>
+              <a:latin typeface="Calibri"/>
+              <a:ea typeface="Calibri"/>
+              <a:cs typeface="Calibri"/>
+              <a:sym typeface="Calibri"/>
+            </a:endParaRPr>
+          </a:p>
+          <a:p>
+            <a:pPr marL="171450" marR="0" lvl="0" indent="-133350" algn="l" rtl="0">
+              <a:lnSpc>
+                <a:spcPct val="100000"/>
+              </a:lnSpc>
+              <a:spcBef>
+                <a:spcPts val="0"/>
+              </a:spcBef>
+              <a:spcAft>
+                <a:spcPts val="0"/>
+              </a:spcAft>
+              <a:buClr>
+                <a:schemeClr val="dk1"/>
+              </a:buClr>
+              <a:buSzPts val="1200"/>
+              <a:buFont typeface="Calibri"/>
+              <a:buChar char="●"/>
+            </a:pPr>
+            <a:r>
+              <a:rPr lang="en" sz="1200">
+                <a:solidFill>
+                  <a:schemeClr val="dk1"/>
+                </a:solidFill>
+                <a:latin typeface="Calibri"/>
+                <a:ea typeface="Calibri"/>
+                <a:cs typeface="Calibri"/>
+                <a:sym typeface="Calibri"/>
+              </a:rPr>
+              <a:t>It was developed alongside 260 physicians and uses "HealthBench" to prioritize clinical standards over simple accuracy</a:t>
+            </a:r>
+            <a:endParaRPr sz="1200">
+              <a:solidFill>
+                <a:schemeClr val="dk1"/>
+              </a:solidFill>
+              <a:latin typeface="Calibri"/>
+              <a:ea typeface="Calibri"/>
+              <a:cs typeface="Calibri"/>
+              <a:sym typeface="Calibri"/>
+            </a:endParaRPr>
+          </a:p>
+          <a:p>
+            <a:pPr marL="171450" marR="0" lvl="0" indent="-133350" algn="l" rtl="0">
+              <a:lnSpc>
+                <a:spcPct val="100000"/>
+              </a:lnSpc>
+              <a:spcBef>
+                <a:spcPts val="0"/>
+              </a:spcBef>
+              <a:spcAft>
+                <a:spcPts val="0"/>
+              </a:spcAft>
+              <a:buClr>
+                <a:schemeClr val="dk1"/>
+              </a:buClr>
+              <a:buSzPts val="1200"/>
+              <a:buFont typeface="Calibri"/>
+              <a:buChar char="●"/>
+            </a:pPr>
+            <a:r>
+              <a:rPr lang="en" sz="1200">
+                <a:solidFill>
+                  <a:schemeClr val="dk1"/>
+                </a:solidFill>
+                <a:latin typeface="Calibri"/>
+                <a:ea typeface="Calibri"/>
+                <a:cs typeface="Calibri"/>
+                <a:sym typeface="Calibri"/>
+              </a:rPr>
+              <a:t>Iit does not provide diagnoses, but it acts as a 24/7 medical assistant</a:t>
+            </a:r>
+            <a:endParaRPr sz="1200">
+              <a:solidFill>
+                <a:schemeClr val="dk1"/>
+              </a:solidFill>
+              <a:latin typeface="Calibri"/>
+              <a:ea typeface="Calibri"/>
+              <a:cs typeface="Calibri"/>
+              <a:sym typeface="Calibri"/>
+            </a:endParaRPr>
+          </a:p>
+          <a:p>
+            <a:pPr marL="171450" marR="0" lvl="0" indent="-133350" algn="l" rtl="0">
+              <a:lnSpc>
+                <a:spcPct val="100000"/>
+              </a:lnSpc>
+              <a:spcBef>
+                <a:spcPts val="0"/>
+              </a:spcBef>
+              <a:spcAft>
+                <a:spcPts val="0"/>
+              </a:spcAft>
+              <a:buClr>
+                <a:schemeClr val="dk1"/>
+              </a:buClr>
+              <a:buSzPts val="1200"/>
+              <a:buFont typeface="Calibri"/>
+              <a:buChar char="●"/>
+            </a:pPr>
+            <a:r>
+              <a:rPr lang="en" sz="1200">
+                <a:solidFill>
+                  <a:schemeClr val="dk1"/>
+                </a:solidFill>
+                <a:latin typeface="Calibri"/>
+                <a:ea typeface="Calibri"/>
+                <a:cs typeface="Calibri"/>
+                <a:sym typeface="Calibri"/>
+              </a:rPr>
+              <a:t>Current status - waiting list</a:t>
+            </a:r>
+            <a:endParaRPr sz="1200">
+              <a:solidFill>
+                <a:schemeClr val="dk1"/>
+              </a:solidFill>
+              <a:latin typeface="Calibri"/>
+              <a:ea typeface="Calibri"/>
+              <a:cs typeface="Calibri"/>
+              <a:sym typeface="Calibri"/>
+            </a:endParaRPr>
+          </a:p>
+        </p:txBody>
+      </p:sp>
+      <p:pic>
+        <p:nvPicPr>
+          <p:cNvPr id="300" name="Google Shape;300;p34"/>
+          <p:cNvPicPr preferRelativeResize="0"/>
+          <p:nvPr/>
+        </p:nvPicPr>
+        <p:blipFill>
+          <a:blip r:embed="rId4" cstate="email">
+            <a:alphaModFix/>
+            <a:extLst>
+              <a:ext uri="{28A0092B-C50C-407E-A947-70E740481C1C}">
+                <a14:useLocalDpi xmlns:a14="http://schemas.microsoft.com/office/drawing/2010/main"/>
+              </a:ext>
+            </a:extLst>
+          </a:blip>
+          <a:stretch>
+            <a:fillRect/>
+          </a:stretch>
+        </p:blipFill>
+        <p:spPr>
+          <a:xfrm>
+            <a:off x="4902025" y="3102113"/>
+            <a:ext cx="3454274" cy="1784225"/>
+          </a:xfrm>
+          <a:prstGeom prst="rect">
+            <a:avLst/>
+          </a:prstGeom>
+          <a:noFill/>
+          <a:ln w="9525" cap="flat" cmpd="sng">
+            <a:solidFill>
+              <a:srgbClr val="FF0000"/>
+            </a:solidFill>
+            <a:prstDash val="solid"/>
+            <a:round/>
+            <a:headEnd type="none" w="sm" len="sm"/>
+            <a:tailEnd type="none" w="sm" len="sm"/>
+          </a:ln>
+        </p:spPr>
+      </p:pic>
+    </p:spTree>
+  </p:cSld>
+  <p:clrMapOvr>
+    <a:masterClrMapping/>
+  </p:clrMapOvr>
+</p:sld>
+</file>
+
+<file path=ppt/slides/slide21.xml><?xml version="1.0" encoding="utf-8"?>
+<p:sld xmlns:a="http://schemas.openxmlformats.org/drawingml/2006/main" xmlns:r="http://schemas.openxmlformats.org/officeDocument/2006/relationships" xmlns:p="http://schemas.openxmlformats.org/presentationml/2006/main">
+  <p:cSld>
+    <p:spTree>
+      <p:nvGrpSpPr>
+        <p:cNvPr id="1" name="Shape 304"/>
+        <p:cNvGrpSpPr/>
+        <p:nvPr/>
+      </p:nvGrpSpPr>
+      <p:grpSpPr>
+        <a:xfrm>
+          <a:off x="0" y="0"/>
+          <a:ext cx="0" cy="0"/>
+          <a:chOff x="0" y="0"/>
+          <a:chExt cx="0" cy="0"/>
+        </a:xfrm>
+      </p:grpSpPr>
+      <p:sp>
+        <p:nvSpPr>
+          <p:cNvPr id="305" name="Google Shape;305;p35"/>
+          <p:cNvSpPr txBox="1"/>
+          <p:nvPr/>
+        </p:nvSpPr>
+        <p:spPr>
+          <a:xfrm>
+            <a:off x="55075" y="43025"/>
+            <a:ext cx="1404900" cy="326400"/>
+          </a:xfrm>
+          <a:prstGeom prst="rect">
+            <a:avLst/>
+          </a:prstGeom>
+          <a:noFill/>
+          <a:ln>
+            <a:noFill/>
+          </a:ln>
+        </p:spPr>
+        <p:txBody>
+          <a:bodyPr spcFirstLastPara="1" wrap="square" lIns="9125" tIns="9125" rIns="9125" bIns="9125" anchor="t" anchorCtr="0">
+            <a:spAutoFit/>
+          </a:bodyPr>
+          <a:lstStyle/>
+          <a:p>
+            <a:pPr marL="0" marR="0" lvl="0" indent="0" algn="l" rtl="0">
+              <a:lnSpc>
+                <a:spcPct val="100000"/>
+              </a:lnSpc>
+              <a:spcBef>
+                <a:spcPts val="0"/>
+              </a:spcBef>
+              <a:spcAft>
+                <a:spcPts val="0"/>
+              </a:spcAft>
+              <a:buClr>
+                <a:schemeClr val="dk1"/>
+              </a:buClr>
+              <a:buSzPts val="1100"/>
+              <a:buFont typeface="Arial"/>
+              <a:buNone/>
+            </a:pPr>
+            <a:r>
+              <a:rPr lang="en" sz="2000" b="1">
+                <a:solidFill>
+                  <a:schemeClr val="dk1"/>
+                </a:solidFill>
+                <a:latin typeface="Calibri"/>
+                <a:ea typeface="Calibri"/>
+                <a:cs typeface="Calibri"/>
+                <a:sym typeface="Calibri"/>
+              </a:rPr>
+              <a:t>AI Updates</a:t>
+            </a:r>
+            <a:endParaRPr sz="2000" b="1">
+              <a:solidFill>
+                <a:schemeClr val="dk1"/>
+              </a:solidFill>
+              <a:latin typeface="Calibri"/>
+              <a:ea typeface="Calibri"/>
+              <a:cs typeface="Calibri"/>
+              <a:sym typeface="Calibri"/>
+            </a:endParaRPr>
+          </a:p>
+        </p:txBody>
+      </p:sp>
+      <p:sp>
+        <p:nvSpPr>
+          <p:cNvPr id="306" name="Google Shape;306;p35"/>
+          <p:cNvSpPr txBox="1"/>
+          <p:nvPr/>
+        </p:nvSpPr>
+        <p:spPr>
+          <a:xfrm>
+            <a:off x="55075" y="464333"/>
+            <a:ext cx="4392000" cy="2235000"/>
+          </a:xfrm>
+          <a:prstGeom prst="rect">
+            <a:avLst/>
+          </a:prstGeom>
+          <a:solidFill>
+            <a:srgbClr val="FFF2CC"/>
+          </a:solidFill>
+          <a:ln w="9525" cap="flat" cmpd="sng">
+            <a:solidFill>
+              <a:srgbClr val="FF0000"/>
+            </a:solidFill>
+            <a:prstDash val="solid"/>
+            <a:round/>
+            <a:headEnd type="none" w="sm" len="sm"/>
+            <a:tailEnd type="none" w="sm" len="sm"/>
+          </a:ln>
+        </p:spPr>
+        <p:txBody>
+          <a:bodyPr spcFirstLastPara="1" wrap="square" lIns="9125" tIns="9125" rIns="9125" bIns="9125" anchor="t" anchorCtr="0">
+            <a:spAutoFit/>
+          </a:bodyPr>
+          <a:lstStyle/>
+          <a:p>
+            <a:pPr marL="171450" marR="0" lvl="0" indent="-133350" algn="l" rtl="0">
+              <a:lnSpc>
+                <a:spcPct val="100000"/>
+              </a:lnSpc>
+              <a:spcBef>
+                <a:spcPts val="0"/>
+              </a:spcBef>
+              <a:spcAft>
+                <a:spcPts val="0"/>
+              </a:spcAft>
+              <a:buClr>
+                <a:srgbClr val="FF0000"/>
+              </a:buClr>
+              <a:buSzPts val="1200"/>
+              <a:buFont typeface="Calibri"/>
+              <a:buChar char="●"/>
+            </a:pPr>
+            <a:r>
+              <a:rPr lang="en" sz="1200" b="1">
+                <a:solidFill>
+                  <a:srgbClr val="FF0000"/>
+                </a:solidFill>
+                <a:latin typeface="Calibri"/>
+                <a:ea typeface="Calibri"/>
+                <a:cs typeface="Calibri"/>
+                <a:sym typeface="Calibri"/>
+              </a:rPr>
+              <a:t>DeepSeek OCR2 open source</a:t>
+            </a:r>
+            <a:endParaRPr sz="1200" b="1">
+              <a:solidFill>
+                <a:srgbClr val="FF0000"/>
+              </a:solidFill>
+              <a:latin typeface="Calibri"/>
+              <a:ea typeface="Calibri"/>
+              <a:cs typeface="Calibri"/>
+              <a:sym typeface="Calibri"/>
+            </a:endParaRPr>
+          </a:p>
+          <a:p>
+            <a:pPr marL="171450" marR="0" lvl="0" indent="-133350" algn="l" rtl="0">
+              <a:lnSpc>
+                <a:spcPct val="100000"/>
+              </a:lnSpc>
+              <a:spcBef>
+                <a:spcPts val="0"/>
+              </a:spcBef>
+              <a:spcAft>
+                <a:spcPts val="0"/>
+              </a:spcAft>
+              <a:buClr>
+                <a:schemeClr val="dk1"/>
+              </a:buClr>
+              <a:buSzPts val="1200"/>
+              <a:buFont typeface="Calibri"/>
+              <a:buChar char="●"/>
+            </a:pPr>
+            <a:r>
+              <a:rPr lang="en" sz="1200">
+                <a:solidFill>
+                  <a:schemeClr val="dk1"/>
+                </a:solidFill>
+                <a:latin typeface="Calibri"/>
+                <a:ea typeface="Calibri"/>
+                <a:cs typeface="Calibri"/>
+                <a:sym typeface="Calibri"/>
+              </a:rPr>
+              <a:t>Human-Like Reading - understands the global layout first. It can jump between headlines, columns, and captions just like a human brain </a:t>
+            </a:r>
+            <a:endParaRPr sz="1200">
+              <a:solidFill>
+                <a:schemeClr val="dk1"/>
+              </a:solidFill>
+              <a:latin typeface="Calibri"/>
+              <a:ea typeface="Calibri"/>
+              <a:cs typeface="Calibri"/>
+              <a:sym typeface="Calibri"/>
+            </a:endParaRPr>
+          </a:p>
+          <a:p>
+            <a:pPr marL="171450" marR="0" lvl="0" indent="-133350" algn="l" rtl="0">
+              <a:lnSpc>
+                <a:spcPct val="100000"/>
+              </a:lnSpc>
+              <a:spcBef>
+                <a:spcPts val="0"/>
+              </a:spcBef>
+              <a:spcAft>
+                <a:spcPts val="0"/>
+              </a:spcAft>
+              <a:buClr>
+                <a:schemeClr val="dk1"/>
+              </a:buClr>
+              <a:buSzPts val="1200"/>
+              <a:buFont typeface="Calibri"/>
+              <a:buChar char="●"/>
+            </a:pPr>
+            <a:r>
+              <a:rPr lang="en" sz="1200">
+                <a:solidFill>
+                  <a:schemeClr val="dk1"/>
+                </a:solidFill>
+                <a:latin typeface="Calibri"/>
+                <a:ea typeface="Calibri"/>
+                <a:cs typeface="Calibri"/>
+                <a:sym typeface="Calibri"/>
+              </a:rPr>
+              <a:t>3 Bln params - but outperforms larger models</a:t>
+            </a:r>
+            <a:endParaRPr sz="1200">
+              <a:solidFill>
+                <a:schemeClr val="dk1"/>
+              </a:solidFill>
+              <a:latin typeface="Calibri"/>
+              <a:ea typeface="Calibri"/>
+              <a:cs typeface="Calibri"/>
+              <a:sym typeface="Calibri"/>
+            </a:endParaRPr>
+          </a:p>
+          <a:p>
+            <a:pPr marL="171450" marR="0" lvl="0" indent="-133350" algn="l" rtl="0">
+              <a:lnSpc>
+                <a:spcPct val="100000"/>
+              </a:lnSpc>
+              <a:spcBef>
+                <a:spcPts val="0"/>
+              </a:spcBef>
+              <a:spcAft>
+                <a:spcPts val="0"/>
+              </a:spcAft>
+              <a:buClr>
+                <a:schemeClr val="dk1"/>
+              </a:buClr>
+              <a:buSzPts val="1200"/>
+              <a:buFont typeface="Calibri"/>
+              <a:buChar char="●"/>
+            </a:pPr>
+            <a:r>
+              <a:rPr lang="en" sz="1200">
+                <a:solidFill>
+                  <a:schemeClr val="dk1"/>
+                </a:solidFill>
+                <a:latin typeface="Calibri"/>
+                <a:ea typeface="Calibri"/>
+                <a:cs typeface="Calibri"/>
+                <a:sym typeface="Calibri"/>
+              </a:rPr>
+              <a:t>Effective at handling multi-column layouts, complex tables, and matching labels to values </a:t>
+            </a:r>
+            <a:endParaRPr sz="1200">
+              <a:solidFill>
+                <a:schemeClr val="dk1"/>
+              </a:solidFill>
+              <a:latin typeface="Calibri"/>
+              <a:ea typeface="Calibri"/>
+              <a:cs typeface="Calibri"/>
+              <a:sym typeface="Calibri"/>
+            </a:endParaRPr>
+          </a:p>
+          <a:p>
+            <a:pPr marL="171450" marR="0" lvl="0" indent="-133350" algn="l" rtl="0">
+              <a:lnSpc>
+                <a:spcPct val="100000"/>
+              </a:lnSpc>
+              <a:spcBef>
+                <a:spcPts val="0"/>
+              </a:spcBef>
+              <a:spcAft>
+                <a:spcPts val="0"/>
+              </a:spcAft>
+              <a:buClr>
+                <a:schemeClr val="dk1"/>
+              </a:buClr>
+              <a:buSzPts val="1200"/>
+              <a:buFont typeface="Calibri"/>
+              <a:buChar char="●"/>
+            </a:pPr>
+            <a:r>
+              <a:rPr lang="en" sz="1200">
+                <a:solidFill>
+                  <a:schemeClr val="dk1"/>
+                </a:solidFill>
+                <a:latin typeface="Calibri"/>
+                <a:ea typeface="Calibri"/>
+                <a:cs typeface="Calibri"/>
+                <a:sym typeface="Calibri"/>
+              </a:rPr>
+              <a:t>Utilizes "visual causal flow" and compresses visual tokens, allowing it to process high-resolution images without requiring massive amounts of memory </a:t>
+            </a:r>
+            <a:endParaRPr sz="1200">
+              <a:solidFill>
+                <a:schemeClr val="dk1"/>
+              </a:solidFill>
+              <a:latin typeface="Calibri"/>
+              <a:ea typeface="Calibri"/>
+              <a:cs typeface="Calibri"/>
+              <a:sym typeface="Calibri"/>
+            </a:endParaRPr>
+          </a:p>
+          <a:p>
+            <a:pPr marL="171450" marR="0" lvl="0" indent="-133350" algn="l" rtl="0">
+              <a:lnSpc>
+                <a:spcPct val="100000"/>
+              </a:lnSpc>
+              <a:spcBef>
+                <a:spcPts val="0"/>
+              </a:spcBef>
+              <a:spcAft>
+                <a:spcPts val="0"/>
+              </a:spcAft>
+              <a:buClr>
+                <a:schemeClr val="dk1"/>
+              </a:buClr>
+              <a:buSzPts val="1200"/>
+              <a:buFont typeface="Calibri"/>
+              <a:buChar char="●"/>
+            </a:pPr>
+            <a:r>
+              <a:rPr lang="en" sz="1200">
+                <a:solidFill>
+                  <a:schemeClr val="dk1"/>
+                </a:solidFill>
+                <a:latin typeface="Calibri"/>
+                <a:ea typeface="Calibri"/>
+                <a:cs typeface="Calibri"/>
+                <a:sym typeface="Calibri"/>
+              </a:rPr>
+              <a:t>Open Source - huggingface</a:t>
+            </a:r>
+            <a:endParaRPr sz="1200">
+              <a:solidFill>
+                <a:schemeClr val="dk1"/>
+              </a:solidFill>
+              <a:latin typeface="Calibri"/>
+              <a:ea typeface="Calibri"/>
+              <a:cs typeface="Calibri"/>
+              <a:sym typeface="Calibri"/>
+            </a:endParaRPr>
+          </a:p>
+          <a:p>
+            <a:pPr marL="171450" marR="0" lvl="0" indent="-133350" algn="l" rtl="0">
+              <a:lnSpc>
+                <a:spcPct val="100000"/>
+              </a:lnSpc>
+              <a:spcBef>
+                <a:spcPts val="0"/>
+              </a:spcBef>
+              <a:spcAft>
+                <a:spcPts val="0"/>
+              </a:spcAft>
+              <a:buClr>
+                <a:schemeClr val="dk1"/>
+              </a:buClr>
+              <a:buSzPts val="1200"/>
+              <a:buFont typeface="Calibri"/>
+              <a:buChar char="●"/>
+            </a:pPr>
+            <a:r>
+              <a:rPr lang="en" sz="1200" u="sng">
+                <a:solidFill>
+                  <a:schemeClr val="hlink"/>
+                </a:solidFill>
+                <a:latin typeface="Calibri"/>
+                <a:ea typeface="Calibri"/>
+                <a:cs typeface="Calibri"/>
+                <a:sym typeface="Calibri"/>
+                <a:hlinkClick r:id="rId3"/>
+              </a:rPr>
+              <a:t>https://www.youtube.com/watch?v=lgRwqon_Dy4</a:t>
+            </a:r>
+            <a:endParaRPr sz="1200">
+              <a:solidFill>
+                <a:schemeClr val="dk1"/>
+              </a:solidFill>
+              <a:latin typeface="Calibri"/>
+              <a:ea typeface="Calibri"/>
+              <a:cs typeface="Calibri"/>
+              <a:sym typeface="Calibri"/>
+            </a:endParaRPr>
+          </a:p>
+        </p:txBody>
+      </p:sp>
+      <p:sp>
+        <p:nvSpPr>
+          <p:cNvPr id="307" name="Google Shape;307;p35"/>
+          <p:cNvSpPr txBox="1"/>
+          <p:nvPr/>
+        </p:nvSpPr>
+        <p:spPr>
+          <a:xfrm>
+            <a:off x="55075" y="2794233"/>
+            <a:ext cx="4392000" cy="1496100"/>
+          </a:xfrm>
+          <a:prstGeom prst="rect">
+            <a:avLst/>
+          </a:prstGeom>
+          <a:solidFill>
+            <a:srgbClr val="FFF2CC"/>
+          </a:solidFill>
+          <a:ln w="9525" cap="flat" cmpd="sng">
+            <a:solidFill>
+              <a:srgbClr val="FF0000"/>
+            </a:solidFill>
+            <a:prstDash val="solid"/>
+            <a:round/>
+            <a:headEnd type="none" w="sm" len="sm"/>
+            <a:tailEnd type="none" w="sm" len="sm"/>
+          </a:ln>
+        </p:spPr>
+        <p:txBody>
+          <a:bodyPr spcFirstLastPara="1" wrap="square" lIns="9125" tIns="9125" rIns="9125" bIns="9125" anchor="t" anchorCtr="0">
+            <a:spAutoFit/>
+          </a:bodyPr>
+          <a:lstStyle/>
+          <a:p>
+            <a:pPr marL="171450" marR="0" lvl="0" indent="-133350" algn="l" rtl="0">
+              <a:lnSpc>
+                <a:spcPct val="100000"/>
+              </a:lnSpc>
+              <a:spcBef>
+                <a:spcPts val="0"/>
+              </a:spcBef>
+              <a:spcAft>
+                <a:spcPts val="0"/>
+              </a:spcAft>
+              <a:buClr>
+                <a:srgbClr val="FF0000"/>
+              </a:buClr>
+              <a:buSzPts val="1200"/>
+              <a:buFont typeface="Calibri"/>
+              <a:buChar char="●"/>
+            </a:pPr>
+            <a:r>
+              <a:rPr lang="en" sz="1200" b="1">
+                <a:solidFill>
+                  <a:srgbClr val="FF0000"/>
+                </a:solidFill>
+                <a:latin typeface="Calibri"/>
+                <a:ea typeface="Calibri"/>
+                <a:cs typeface="Calibri"/>
+                <a:sym typeface="Calibri"/>
+              </a:rPr>
+              <a:t>Google DeepMind Genie 3</a:t>
+            </a:r>
+            <a:endParaRPr sz="1200" b="1">
+              <a:solidFill>
+                <a:srgbClr val="FF0000"/>
+              </a:solidFill>
+              <a:latin typeface="Calibri"/>
+              <a:ea typeface="Calibri"/>
+              <a:cs typeface="Calibri"/>
+              <a:sym typeface="Calibri"/>
+            </a:endParaRPr>
+          </a:p>
+          <a:p>
+            <a:pPr marL="171450" marR="0" lvl="0" indent="-133350" algn="l" rtl="0">
+              <a:lnSpc>
+                <a:spcPct val="100000"/>
+              </a:lnSpc>
+              <a:spcBef>
+                <a:spcPts val="0"/>
+              </a:spcBef>
+              <a:spcAft>
+                <a:spcPts val="0"/>
+              </a:spcAft>
+              <a:buClr>
+                <a:schemeClr val="dk1"/>
+              </a:buClr>
+              <a:buSzPts val="1200"/>
+              <a:buFont typeface="Calibri"/>
+              <a:buChar char="●"/>
+            </a:pPr>
+            <a:r>
+              <a:rPr lang="en" sz="1200">
+                <a:solidFill>
+                  <a:schemeClr val="dk1"/>
+                </a:solidFill>
+                <a:latin typeface="Calibri"/>
+                <a:ea typeface="Calibri"/>
+                <a:cs typeface="Calibri"/>
+                <a:sym typeface="Calibri"/>
+              </a:rPr>
+              <a:t>AI world model that generates interactive, traversable environments from a single image and text prompt</a:t>
+            </a:r>
+            <a:endParaRPr sz="1200">
+              <a:solidFill>
+                <a:schemeClr val="dk1"/>
+              </a:solidFill>
+              <a:latin typeface="Calibri"/>
+              <a:ea typeface="Calibri"/>
+              <a:cs typeface="Calibri"/>
+              <a:sym typeface="Calibri"/>
+            </a:endParaRPr>
+          </a:p>
+          <a:p>
+            <a:pPr marL="171450" marR="0" lvl="0" indent="-133350" algn="l" rtl="0">
+              <a:lnSpc>
+                <a:spcPct val="100000"/>
+              </a:lnSpc>
+              <a:spcBef>
+                <a:spcPts val="0"/>
+              </a:spcBef>
+              <a:spcAft>
+                <a:spcPts val="0"/>
+              </a:spcAft>
+              <a:buClr>
+                <a:schemeClr val="dk1"/>
+              </a:buClr>
+              <a:buSzPts val="1200"/>
+              <a:buFont typeface="Calibri"/>
+              <a:buChar char="●"/>
+            </a:pPr>
+            <a:r>
+              <a:rPr lang="en" sz="1200">
+                <a:solidFill>
+                  <a:schemeClr val="dk1"/>
+                </a:solidFill>
+                <a:latin typeface="Calibri"/>
+                <a:ea typeface="Calibri"/>
+                <a:cs typeface="Calibri"/>
+                <a:sym typeface="Calibri"/>
+              </a:rPr>
+              <a:t>Available to Google AI Ultra subscribers,</a:t>
+            </a:r>
+            <a:endParaRPr sz="1200">
+              <a:solidFill>
+                <a:schemeClr val="dk1"/>
+              </a:solidFill>
+              <a:latin typeface="Calibri"/>
+              <a:ea typeface="Calibri"/>
+              <a:cs typeface="Calibri"/>
+              <a:sym typeface="Calibri"/>
+            </a:endParaRPr>
+          </a:p>
+          <a:p>
+            <a:pPr marL="171450" marR="0" lvl="0" indent="-133350" algn="l" rtl="0">
+              <a:lnSpc>
+                <a:spcPct val="100000"/>
+              </a:lnSpc>
+              <a:spcBef>
+                <a:spcPts val="0"/>
+              </a:spcBef>
+              <a:spcAft>
+                <a:spcPts val="0"/>
+              </a:spcAft>
+              <a:buClr>
+                <a:schemeClr val="dk1"/>
+              </a:buClr>
+              <a:buSzPts val="1200"/>
+              <a:buFont typeface="Calibri"/>
+              <a:buChar char="●"/>
+            </a:pPr>
+            <a:r>
+              <a:rPr lang="en" sz="1200">
+                <a:solidFill>
+                  <a:schemeClr val="dk1"/>
+                </a:solidFill>
+                <a:latin typeface="Calibri"/>
+                <a:ea typeface="Calibri"/>
+                <a:cs typeface="Calibri"/>
+                <a:sym typeface="Calibri"/>
+              </a:rPr>
+              <a:t>Allows users to act as a character in a 3D space with 360-degree camera control and basic physics</a:t>
+            </a:r>
+            <a:endParaRPr sz="1200">
+              <a:solidFill>
+                <a:schemeClr val="dk1"/>
+              </a:solidFill>
+              <a:latin typeface="Calibri"/>
+              <a:ea typeface="Calibri"/>
+              <a:cs typeface="Calibri"/>
+              <a:sym typeface="Calibri"/>
+            </a:endParaRPr>
+          </a:p>
+          <a:p>
+            <a:pPr marL="171450" marR="0" lvl="0" indent="-133350" algn="l" rtl="0">
+              <a:lnSpc>
+                <a:spcPct val="100000"/>
+              </a:lnSpc>
+              <a:spcBef>
+                <a:spcPts val="0"/>
+              </a:spcBef>
+              <a:spcAft>
+                <a:spcPts val="0"/>
+              </a:spcAft>
+              <a:buClr>
+                <a:schemeClr val="dk1"/>
+              </a:buClr>
+              <a:buSzPts val="1200"/>
+              <a:buFont typeface="Calibri"/>
+              <a:buChar char="●"/>
+            </a:pPr>
+            <a:r>
+              <a:rPr lang="en" sz="1200">
+                <a:solidFill>
+                  <a:schemeClr val="dk1"/>
+                </a:solidFill>
+                <a:latin typeface="Calibri"/>
+                <a:ea typeface="Calibri"/>
+                <a:cs typeface="Calibri"/>
+                <a:sym typeface="Calibri"/>
+              </a:rPr>
+              <a:t>Interactivity, Realism, Versatility</a:t>
+            </a:r>
+            <a:endParaRPr sz="1200">
+              <a:solidFill>
+                <a:schemeClr val="dk1"/>
+              </a:solidFill>
+              <a:latin typeface="Calibri"/>
+              <a:ea typeface="Calibri"/>
+              <a:cs typeface="Calibri"/>
+              <a:sym typeface="Calibri"/>
+            </a:endParaRPr>
+          </a:p>
+          <a:p>
+            <a:pPr marL="171450" marR="0" lvl="0" indent="-133350" algn="l" rtl="0">
+              <a:lnSpc>
+                <a:spcPct val="100000"/>
+              </a:lnSpc>
+              <a:spcBef>
+                <a:spcPts val="0"/>
+              </a:spcBef>
+              <a:spcAft>
+                <a:spcPts val="0"/>
+              </a:spcAft>
+              <a:buClr>
+                <a:schemeClr val="dk1"/>
+              </a:buClr>
+              <a:buSzPts val="1200"/>
+              <a:buFont typeface="Calibri"/>
+              <a:buChar char="●"/>
+            </a:pPr>
+            <a:r>
+              <a:rPr lang="en" sz="1200" u="sng">
+                <a:solidFill>
+                  <a:schemeClr val="hlink"/>
+                </a:solidFill>
+                <a:latin typeface="Calibri"/>
+                <a:ea typeface="Calibri"/>
+                <a:cs typeface="Calibri"/>
+                <a:sym typeface="Calibri"/>
+                <a:hlinkClick r:id="rId4"/>
+              </a:rPr>
+              <a:t>https://www.youtube.com/watch?v=dq-olkv8tBs</a:t>
+            </a:r>
+            <a:endParaRPr sz="1200">
+              <a:solidFill>
+                <a:schemeClr val="dk1"/>
+              </a:solidFill>
+              <a:latin typeface="Calibri"/>
+              <a:ea typeface="Calibri"/>
+              <a:cs typeface="Calibri"/>
+              <a:sym typeface="Calibri"/>
+            </a:endParaRPr>
+          </a:p>
+        </p:txBody>
+      </p:sp>
+    </p:spTree>
+  </p:cSld>
+  <p:clrMapOvr>
+    <a:masterClrMapping/>
+  </p:clrMapOvr>
+</p:sld>
+</file>
+
+<file path=ppt/slides/slide22.xml><?xml version="1.0" encoding="utf-8"?>
+<p:sld xmlns:a="http://schemas.openxmlformats.org/drawingml/2006/main" xmlns:r="http://schemas.openxmlformats.org/officeDocument/2006/relationships" xmlns:p="http://schemas.openxmlformats.org/presentationml/2006/main">
+  <p:cSld>
+    <p:spTree>
+      <p:nvGrpSpPr>
+        <p:cNvPr id="1" name="Shape 311"/>
+        <p:cNvGrpSpPr/>
+        <p:nvPr/>
+      </p:nvGrpSpPr>
+      <p:grpSpPr>
+        <a:xfrm>
+          <a:off x="0" y="0"/>
+          <a:ext cx="0" cy="0"/>
+          <a:chOff x="0" y="0"/>
+          <a:chExt cx="0" cy="0"/>
+        </a:xfrm>
+      </p:grpSpPr>
+      <p:sp>
+        <p:nvSpPr>
+          <p:cNvPr id="312" name="Google Shape;312;p36"/>
           <p:cNvSpPr txBox="1"/>
           <p:nvPr/>
         </p:nvSpPr>
@@ -37484,7 +38907,7 @@
       </p:sp>
       <p:sp>
         <p:nvSpPr>
-          <p:cNvPr id="299" name="Google Shape;299;p34"/>
+          <p:cNvPr id="313" name="Google Shape;313;p36"/>
           <p:cNvSpPr txBox="1"/>
           <p:nvPr/>
         </p:nvSpPr>
@@ -38273,7 +39696,7 @@
       </p:sp>
       <p:sp>
         <p:nvSpPr>
-          <p:cNvPr id="300" name="Google Shape;300;p34"/>
+          <p:cNvPr id="314" name="Google Shape;314;p36"/>
           <p:cNvSpPr txBox="1"/>
           <p:nvPr/>
         </p:nvSpPr>
@@ -38600,7 +40023,7 @@
       </p:sp>
       <p:pic>
         <p:nvPicPr>
-          <p:cNvPr id="301" name="Google Shape;301;p34"/>
+          <p:cNvPr id="315" name="Google Shape;315;p36"/>
           <p:cNvPicPr preferRelativeResize="0"/>
           <p:nvPr/>
         </p:nvPicPr>
@@ -38645,12 +40068,12 @@
 </p:sld>
 </file>
 
-<file path=ppt/slides/slide21.xml><?xml version="1.0" encoding="utf-8"?>
+<file path=ppt/slides/slide23.xml><?xml version="1.0" encoding="utf-8"?>
 <p:sld xmlns:a="http://schemas.openxmlformats.org/drawingml/2006/main" xmlns:r="http://schemas.openxmlformats.org/officeDocument/2006/relationships" xmlns:p="http://schemas.openxmlformats.org/presentationml/2006/main">
   <p:cSld>
     <p:spTree>
       <p:nvGrpSpPr>
-        <p:cNvPr id="1" name="Shape 305"/>
+        <p:cNvPr id="1" name="Shape 319"/>
         <p:cNvGrpSpPr/>
         <p:nvPr/>
       </p:nvGrpSpPr>
@@ -38664,7 +40087,7 @@
       </p:grpSpPr>
       <p:sp>
         <p:nvSpPr>
-          <p:cNvPr id="306" name="Google Shape;306;p35"/>
+          <p:cNvPr id="320" name="Google Shape;320;p37"/>
           <p:cNvSpPr txBox="1"/>
           <p:nvPr/>
         </p:nvSpPr>
@@ -38730,7 +40153,7 @@
       </p:sp>
       <p:sp>
         <p:nvSpPr>
-          <p:cNvPr id="307" name="Google Shape;307;p35"/>
+          <p:cNvPr id="321" name="Google Shape;321;p37"/>
           <p:cNvSpPr txBox="1"/>
           <p:nvPr/>
         </p:nvSpPr>
@@ -38858,7 +40281,7 @@
       </p:sp>
       <p:sp>
         <p:nvSpPr>
-          <p:cNvPr id="308" name="Google Shape;308;p35"/>
+          <p:cNvPr id="322" name="Google Shape;322;p37"/>
           <p:cNvSpPr txBox="1"/>
           <p:nvPr/>
         </p:nvSpPr>
@@ -39128,7 +40551,7 @@
       </p:sp>
       <p:sp>
         <p:nvSpPr>
-          <p:cNvPr id="309" name="Google Shape;309;p35"/>
+          <p:cNvPr id="323" name="Google Shape;323;p37"/>
           <p:cNvSpPr txBox="1"/>
           <p:nvPr/>
         </p:nvSpPr>
@@ -39389,7 +40812,7 @@
       </p:sp>
       <p:pic>
         <p:nvPicPr>
-          <p:cNvPr id="310" name="Google Shape;310;p35"/>
+          <p:cNvPr id="324" name="Google Shape;324;p37"/>
           <p:cNvPicPr preferRelativeResize="0"/>
           <p:nvPr/>
         </p:nvPicPr>
@@ -39428,7 +40851,7 @@
       </p:pic>
       <p:pic>
         <p:nvPicPr>
-          <p:cNvPr id="311" name="Google Shape;311;p35"/>
+          <p:cNvPr id="325" name="Google Shape;325;p37"/>
           <p:cNvPicPr preferRelativeResize="0"/>
           <p:nvPr/>
         </p:nvPicPr>
@@ -39473,12 +40896,12 @@
 </p:sld>
 </file>
 
-<file path=ppt/slides/slide22.xml><?xml version="1.0" encoding="utf-8"?>
+<file path=ppt/slides/slide24.xml><?xml version="1.0" encoding="utf-8"?>
 <p:sld xmlns:a="http://schemas.openxmlformats.org/drawingml/2006/main" xmlns:r="http://schemas.openxmlformats.org/officeDocument/2006/relationships" xmlns:p="http://schemas.openxmlformats.org/presentationml/2006/main">
   <p:cSld>
     <p:spTree>
       <p:nvGrpSpPr>
-        <p:cNvPr id="1" name="Shape 315"/>
+        <p:cNvPr id="1" name="Shape 329"/>
         <p:cNvGrpSpPr/>
         <p:nvPr/>
       </p:nvGrpSpPr>
@@ -39492,7 +40915,7 @@
       </p:grpSpPr>
       <p:pic>
         <p:nvPicPr>
-          <p:cNvPr id="316" name="Google Shape;316;p36"/>
+          <p:cNvPr id="330" name="Google Shape;330;p38"/>
           <p:cNvPicPr preferRelativeResize="0"/>
           <p:nvPr/>
         </p:nvPicPr>
@@ -39524,7 +40947,7 @@
       </p:pic>
       <p:sp>
         <p:nvSpPr>
-          <p:cNvPr id="317" name="Google Shape;317;p36"/>
+          <p:cNvPr id="331" name="Google Shape;331;p38"/>
           <p:cNvSpPr txBox="1"/>
           <p:nvPr/>
         </p:nvSpPr>
@@ -39590,7 +41013,7 @@
       </p:sp>
       <p:sp>
         <p:nvSpPr>
-          <p:cNvPr id="318" name="Google Shape;318;p36"/>
+          <p:cNvPr id="332" name="Google Shape;332;p38"/>
           <p:cNvSpPr txBox="1"/>
           <p:nvPr/>
         </p:nvSpPr>
@@ -40020,7 +41443,7 @@
       </p:sp>
       <p:pic>
         <p:nvPicPr>
-          <p:cNvPr id="319" name="Google Shape;319;p36"/>
+          <p:cNvPr id="333" name="Google Shape;333;p38"/>
           <p:cNvPicPr preferRelativeResize="0"/>
           <p:nvPr/>
         </p:nvPicPr>
@@ -40052,7 +41475,7 @@
       </p:pic>
       <p:sp>
         <p:nvSpPr>
-          <p:cNvPr id="320" name="Google Shape;320;p36"/>
+          <p:cNvPr id="334" name="Google Shape;334;p38"/>
           <p:cNvSpPr txBox="1"/>
           <p:nvPr/>
         </p:nvSpPr>
@@ -40131,7 +41554,7 @@
       </p:sp>
       <p:sp>
         <p:nvSpPr>
-          <p:cNvPr id="321" name="Google Shape;321;p36"/>
+          <p:cNvPr id="335" name="Google Shape;335;p38"/>
           <p:cNvSpPr txBox="1"/>
           <p:nvPr/>
         </p:nvSpPr>
@@ -40203,12 +41626,12 @@
 </p:sld>
 </file>
 
-<file path=ppt/slides/slide23.xml><?xml version="1.0" encoding="utf-8"?>
+<file path=ppt/slides/slide25.xml><?xml version="1.0" encoding="utf-8"?>
 <p:sld xmlns:a="http://schemas.openxmlformats.org/drawingml/2006/main" xmlns:r="http://schemas.openxmlformats.org/officeDocument/2006/relationships" xmlns:p="http://schemas.openxmlformats.org/presentationml/2006/main">
   <p:cSld>
     <p:spTree>
       <p:nvGrpSpPr>
-        <p:cNvPr id="1" name="Shape 325"/>
+        <p:cNvPr id="1" name="Shape 339"/>
         <p:cNvGrpSpPr/>
         <p:nvPr/>
       </p:nvGrpSpPr>
@@ -40222,7 +41645,7 @@
       </p:grpSpPr>
       <p:sp>
         <p:nvSpPr>
-          <p:cNvPr id="326" name="Google Shape;326;p37"/>
+          <p:cNvPr id="340" name="Google Shape;340;p39"/>
           <p:cNvSpPr txBox="1"/>
           <p:nvPr/>
         </p:nvSpPr>
